--- a/BigBayDLBreachWinDAM.pptx
+++ b/BigBayDLBreachWinDAM.pptx
@@ -5,10 +5,10 @@
     <p:sldMasterId id="2147483828" r:id="rId1"/>
   </p:sldMasterIdLst>
   <p:notesMasterIdLst>
-    <p:notesMasterId r:id="rId41"/>
+    <p:notesMasterId r:id="rId42"/>
   </p:notesMasterIdLst>
   <p:handoutMasterIdLst>
-    <p:handoutMasterId r:id="rId42"/>
+    <p:handoutMasterId r:id="rId43"/>
   </p:handoutMasterIdLst>
   <p:sldIdLst>
     <p:sldId id="514" r:id="rId2"/>
@@ -24,32 +24,33 @@
     <p:sldId id="613" r:id="rId12"/>
     <p:sldId id="614" r:id="rId13"/>
     <p:sldId id="612" r:id="rId14"/>
-    <p:sldId id="615" r:id="rId15"/>
-    <p:sldId id="616" r:id="rId16"/>
-    <p:sldId id="621" r:id="rId17"/>
-    <p:sldId id="622" r:id="rId18"/>
-    <p:sldId id="617" r:id="rId19"/>
-    <p:sldId id="618" r:id="rId20"/>
-    <p:sldId id="619" r:id="rId21"/>
-    <p:sldId id="623" r:id="rId22"/>
-    <p:sldId id="625" r:id="rId23"/>
-    <p:sldId id="566" r:id="rId24"/>
-    <p:sldId id="626" r:id="rId25"/>
-    <p:sldId id="418" r:id="rId26"/>
-    <p:sldId id="572" r:id="rId27"/>
-    <p:sldId id="627" r:id="rId28"/>
-    <p:sldId id="574" r:id="rId29"/>
-    <p:sldId id="628" r:id="rId30"/>
-    <p:sldId id="506" r:id="rId31"/>
-    <p:sldId id="629" r:id="rId32"/>
-    <p:sldId id="631" r:id="rId33"/>
-    <p:sldId id="632" r:id="rId34"/>
-    <p:sldId id="633" r:id="rId35"/>
-    <p:sldId id="634" r:id="rId36"/>
-    <p:sldId id="635" r:id="rId37"/>
-    <p:sldId id="636" r:id="rId38"/>
-    <p:sldId id="630" r:id="rId39"/>
-    <p:sldId id="637" r:id="rId40"/>
+    <p:sldId id="638" r:id="rId15"/>
+    <p:sldId id="615" r:id="rId16"/>
+    <p:sldId id="616" r:id="rId17"/>
+    <p:sldId id="621" r:id="rId18"/>
+    <p:sldId id="622" r:id="rId19"/>
+    <p:sldId id="617" r:id="rId20"/>
+    <p:sldId id="618" r:id="rId21"/>
+    <p:sldId id="619" r:id="rId22"/>
+    <p:sldId id="623" r:id="rId23"/>
+    <p:sldId id="625" r:id="rId24"/>
+    <p:sldId id="566" r:id="rId25"/>
+    <p:sldId id="626" r:id="rId26"/>
+    <p:sldId id="418" r:id="rId27"/>
+    <p:sldId id="572" r:id="rId28"/>
+    <p:sldId id="627" r:id="rId29"/>
+    <p:sldId id="574" r:id="rId30"/>
+    <p:sldId id="628" r:id="rId31"/>
+    <p:sldId id="506" r:id="rId32"/>
+    <p:sldId id="629" r:id="rId33"/>
+    <p:sldId id="631" r:id="rId34"/>
+    <p:sldId id="632" r:id="rId35"/>
+    <p:sldId id="633" r:id="rId36"/>
+    <p:sldId id="634" r:id="rId37"/>
+    <p:sldId id="635" r:id="rId38"/>
+    <p:sldId id="636" r:id="rId39"/>
+    <p:sldId id="630" r:id="rId40"/>
+    <p:sldId id="637" r:id="rId41"/>
   </p:sldIdLst>
   <p:sldSz cx="9144000" cy="5143500" type="screen16x9"/>
   <p:notesSz cx="6858000" cy="9144000"/>
@@ -23141,6 +23142,119 @@
           <a:chExt cx="0" cy="0"/>
         </a:xfrm>
       </p:grpSpPr>
+      <p:sp>
+        <p:nvSpPr>
+          <p:cNvPr id="2" name="Title 1">
+            <a:extLst>
+              <a:ext uri="{FF2B5EF4-FFF2-40B4-BE49-F238E27FC236}">
+                <a16:creationId xmlns:a16="http://schemas.microsoft.com/office/drawing/2014/main" id="{FCA8CB56-F951-1A7D-0E92-84CAC6489019}"/>
+              </a:ext>
+            </a:extLst>
+          </p:cNvPr>
+          <p:cNvSpPr>
+            <a:spLocks noGrp="1"/>
+          </p:cNvSpPr>
+          <p:nvPr>
+            <p:ph type="title"/>
+          </p:nvPr>
+        </p:nvSpPr>
+        <p:spPr/>
+        <p:txBody>
+          <a:bodyPr/>
+          <a:lstStyle/>
+          <a:p>
+            <a:endParaRPr lang="en-US"/>
+          </a:p>
+        </p:txBody>
+      </p:sp>
+      <p:sp>
+        <p:nvSpPr>
+          <p:cNvPr id="3" name="Content Placeholder 2">
+            <a:extLst>
+              <a:ext uri="{FF2B5EF4-FFF2-40B4-BE49-F238E27FC236}">
+                <a16:creationId xmlns:a16="http://schemas.microsoft.com/office/drawing/2014/main" id="{5D89DED1-2820-4E28-07E3-FF0F1FF4BB00}"/>
+              </a:ext>
+            </a:extLst>
+          </p:cNvPr>
+          <p:cNvSpPr>
+            <a:spLocks noGrp="1"/>
+          </p:cNvSpPr>
+          <p:nvPr>
+            <p:ph sz="quarter" idx="13"/>
+          </p:nvPr>
+        </p:nvSpPr>
+        <p:spPr/>
+        <p:txBody>
+          <a:bodyPr/>
+          <a:lstStyle/>
+          <a:p>
+            <a:endParaRPr lang="en-US"/>
+          </a:p>
+        </p:txBody>
+      </p:sp>
+      <p:pic>
+        <p:nvPicPr>
+          <p:cNvPr id="5" name="Picture 4">
+            <a:extLst>
+              <a:ext uri="{FF2B5EF4-FFF2-40B4-BE49-F238E27FC236}">
+                <a16:creationId xmlns:a16="http://schemas.microsoft.com/office/drawing/2014/main" id="{D1F8510A-EF67-7F0F-EFAC-EEEE983D3068}"/>
+              </a:ext>
+            </a:extLst>
+          </p:cNvPr>
+          <p:cNvPicPr>
+            <a:picLocks noChangeAspect="1"/>
+          </p:cNvPicPr>
+          <p:nvPr/>
+        </p:nvPicPr>
+        <p:blipFill>
+          <a:blip r:embed="rId2"/>
+          <a:stretch>
+            <a:fillRect/>
+          </a:stretch>
+        </p:blipFill>
+        <p:spPr>
+          <a:xfrm>
+            <a:off x="362396" y="-231815"/>
+            <a:ext cx="8419208" cy="6512855"/>
+          </a:xfrm>
+          <a:prstGeom prst="rect">
+            <a:avLst/>
+          </a:prstGeom>
+        </p:spPr>
+      </p:pic>
+    </p:spTree>
+    <p:extLst>
+      <p:ext uri="{BB962C8B-B14F-4D97-AF65-F5344CB8AC3E}">
+        <p14:creationId xmlns:p14="http://schemas.microsoft.com/office/powerpoint/2010/main" val="765125094"/>
+      </p:ext>
+    </p:extLst>
+  </p:cSld>
+  <p:clrMapOvr>
+    <a:masterClrMapping/>
+  </p:clrMapOvr>
+  <p:transition spd="slow">
+    <p:cut/>
+  </p:transition>
+</p:sld>
+</file>
+
+<file path=ppt/slides/slide15.xml><?xml version="1.0" encoding="utf-8"?>
+<p:sld xmlns:a="http://schemas.openxmlformats.org/drawingml/2006/main" xmlns:r="http://schemas.openxmlformats.org/officeDocument/2006/relationships" xmlns:p="http://schemas.openxmlformats.org/presentationml/2006/main">
+  <p:cSld>
+    <p:spTree>
+      <p:nvGrpSpPr>
+        <p:cNvPr id="1" name=""/>
+        <p:cNvGrpSpPr/>
+        <p:nvPr/>
+      </p:nvGrpSpPr>
+      <p:grpSpPr>
+        <a:xfrm>
+          <a:off x="0" y="0"/>
+          <a:ext cx="0" cy="0"/>
+          <a:chOff x="0" y="0"/>
+          <a:chExt cx="0" cy="0"/>
+        </a:xfrm>
+      </p:grpSpPr>
       <p:pic>
         <p:nvPicPr>
           <p:cNvPr id="5" name="Picture 4">
@@ -23229,7 +23343,7 @@
 </p:sld>
 </file>
 
-<file path=ppt/slides/slide15.xml><?xml version="1.0" encoding="utf-8"?>
+<file path=ppt/slides/slide16.xml><?xml version="1.0" encoding="utf-8"?>
 <p:sld xmlns:a="http://schemas.openxmlformats.org/drawingml/2006/main" xmlns:r="http://schemas.openxmlformats.org/officeDocument/2006/relationships" xmlns:p="http://schemas.openxmlformats.org/presentationml/2006/main">
   <p:cSld>
     <p:spTree>
@@ -23392,7 +23506,7 @@
 </p:sld>
 </file>
 
-<file path=ppt/slides/slide16.xml><?xml version="1.0" encoding="utf-8"?>
+<file path=ppt/slides/slide17.xml><?xml version="1.0" encoding="utf-8"?>
 <p:sld xmlns:a="http://schemas.openxmlformats.org/drawingml/2006/main" xmlns:r="http://schemas.openxmlformats.org/officeDocument/2006/relationships" xmlns:p="http://schemas.openxmlformats.org/presentationml/2006/main">
   <p:cSld>
     <p:spTree>
@@ -23560,7 +23674,7 @@
 </p:sld>
 </file>
 
-<file path=ppt/slides/slide17.xml><?xml version="1.0" encoding="utf-8"?>
+<file path=ppt/slides/slide18.xml><?xml version="1.0" encoding="utf-8"?>
 <p:sld xmlns:a="http://schemas.openxmlformats.org/drawingml/2006/main" xmlns:r="http://schemas.openxmlformats.org/officeDocument/2006/relationships" xmlns:p="http://schemas.openxmlformats.org/presentationml/2006/main">
   <p:cSld>
     <p:spTree>
@@ -23744,7 +23858,7 @@
 </p:sld>
 </file>
 
-<file path=ppt/slides/slide18.xml><?xml version="1.0" encoding="utf-8"?>
+<file path=ppt/slides/slide19.xml><?xml version="1.0" encoding="utf-8"?>
 <p:sld xmlns:a="http://schemas.openxmlformats.org/drawingml/2006/main" xmlns:r="http://schemas.openxmlformats.org/officeDocument/2006/relationships" xmlns:p="http://schemas.openxmlformats.org/presentationml/2006/main">
   <p:cSld>
     <p:spTree>
@@ -23921,164 +24035,6 @@
     <p:extLst>
       <p:ext uri="{BB962C8B-B14F-4D97-AF65-F5344CB8AC3E}">
         <p14:creationId xmlns:p14="http://schemas.microsoft.com/office/powerpoint/2010/main" val="2561436515"/>
-      </p:ext>
-    </p:extLst>
-  </p:cSld>
-  <p:clrMapOvr>
-    <a:masterClrMapping/>
-  </p:clrMapOvr>
-  <p:transition spd="slow">
-    <p:cut/>
-  </p:transition>
-</p:sld>
-</file>
-
-<file path=ppt/slides/slide19.xml><?xml version="1.0" encoding="utf-8"?>
-<p:sld xmlns:a="http://schemas.openxmlformats.org/drawingml/2006/main" xmlns:r="http://schemas.openxmlformats.org/officeDocument/2006/relationships" xmlns:p="http://schemas.openxmlformats.org/presentationml/2006/main">
-  <p:cSld>
-    <p:spTree>
-      <p:nvGrpSpPr>
-        <p:cNvPr id="1" name=""/>
-        <p:cNvGrpSpPr/>
-        <p:nvPr/>
-      </p:nvGrpSpPr>
-      <p:grpSpPr>
-        <a:xfrm>
-          <a:off x="0" y="0"/>
-          <a:ext cx="0" cy="0"/>
-          <a:chOff x="0" y="0"/>
-          <a:chExt cx="0" cy="0"/>
-        </a:xfrm>
-      </p:grpSpPr>
-      <p:graphicFrame>
-        <p:nvGraphicFramePr>
-          <p:cNvPr id="8" name="Chart 7">
-            <a:extLst>
-              <a:ext uri="{FF2B5EF4-FFF2-40B4-BE49-F238E27FC236}">
-                <a16:creationId xmlns:a16="http://schemas.microsoft.com/office/drawing/2014/main" id="{13D21965-8F1F-6E35-CBD2-4FC485EC3158}"/>
-              </a:ext>
-            </a:extLst>
-          </p:cNvPr>
-          <p:cNvGraphicFramePr>
-            <a:graphicFrameLocks/>
-          </p:cNvGraphicFramePr>
-          <p:nvPr>
-            <p:extLst>
-              <p:ext uri="{D42A27DB-BD31-4B8C-83A1-F6EECF244321}">
-                <p14:modId xmlns:p14="http://schemas.microsoft.com/office/powerpoint/2010/main" val="2189009622"/>
-              </p:ext>
-            </p:extLst>
-          </p:nvPr>
-        </p:nvGraphicFramePr>
-        <p:xfrm>
-          <a:off x="1307575" y="229045"/>
-          <a:ext cx="6490445" cy="4147740"/>
-        </p:xfrm>
-        <a:graphic>
-          <a:graphicData uri="http://schemas.openxmlformats.org/drawingml/2006/chart">
-            <c:chart xmlns:c="http://schemas.openxmlformats.org/drawingml/2006/chart" xmlns:r="http://schemas.openxmlformats.org/officeDocument/2006/relationships" r:id="rId2"/>
-          </a:graphicData>
-        </a:graphic>
-      </p:graphicFrame>
-      <p:cxnSp>
-        <p:nvCxnSpPr>
-          <p:cNvPr id="6" name="Straight Connector 5">
-            <a:extLst>
-              <a:ext uri="{FF2B5EF4-FFF2-40B4-BE49-F238E27FC236}">
-                <a16:creationId xmlns:a16="http://schemas.microsoft.com/office/drawing/2014/main" id="{3CB3FE3B-5230-339F-CB51-60FFDE684492}"/>
-              </a:ext>
-            </a:extLst>
-          </p:cNvPr>
-          <p:cNvCxnSpPr>
-            <a:cxnSpLocks/>
-          </p:cNvCxnSpPr>
-          <p:nvPr/>
-        </p:nvCxnSpPr>
-        <p:spPr>
-          <a:xfrm>
-            <a:off x="1806840" y="2034080"/>
-            <a:ext cx="5568725" cy="0"/>
-          </a:xfrm>
-          <a:prstGeom prst="line">
-            <a:avLst/>
-          </a:prstGeom>
-          <a:ln>
-            <a:solidFill>
-              <a:srgbClr val="FF0000"/>
-            </a:solidFill>
-          </a:ln>
-        </p:spPr>
-        <p:style>
-          <a:lnRef idx="1">
-            <a:schemeClr val="accent1"/>
-          </a:lnRef>
-          <a:fillRef idx="0">
-            <a:schemeClr val="accent1"/>
-          </a:fillRef>
-          <a:effectRef idx="0">
-            <a:schemeClr val="accent1"/>
-          </a:effectRef>
-          <a:fontRef idx="minor">
-            <a:schemeClr val="tx1"/>
-          </a:fontRef>
-        </p:style>
-      </p:cxnSp>
-      <p:sp>
-        <p:nvSpPr>
-          <p:cNvPr id="4" name="TextBox 3">
-            <a:extLst>
-              <a:ext uri="{FF2B5EF4-FFF2-40B4-BE49-F238E27FC236}">
-                <a16:creationId xmlns:a16="http://schemas.microsoft.com/office/drawing/2014/main" id="{5821245F-3FC0-28E5-D7AE-A4A73553BBE1}"/>
-              </a:ext>
-            </a:extLst>
-          </p:cNvPr>
-          <p:cNvSpPr txBox="1"/>
-          <p:nvPr/>
-        </p:nvSpPr>
-        <p:spPr>
-          <a:xfrm>
-            <a:off x="1922055" y="1765245"/>
-            <a:ext cx="2598788" cy="276999"/>
-          </a:xfrm>
-          <a:prstGeom prst="rect">
-            <a:avLst/>
-          </a:prstGeom>
-          <a:noFill/>
-        </p:spPr>
-        <p:txBody>
-          <a:bodyPr wrap="none" rtlCol="0">
-            <a:spAutoFit/>
-          </a:bodyPr>
-          <a:lstStyle/>
-          <a:p>
-            <a:r>
-              <a:rPr lang="en-US" sz="1200" dirty="0">
-                <a:solidFill>
-                  <a:srgbClr val="FF0000"/>
-                </a:solidFill>
-              </a:rPr>
-              <a:t>Observed max discharge 4200 </a:t>
-            </a:r>
-            <a:r>
-              <a:rPr lang="en-US" sz="1200" dirty="0" err="1">
-                <a:solidFill>
-                  <a:srgbClr val="FF0000"/>
-                </a:solidFill>
-              </a:rPr>
-              <a:t>cms</a:t>
-            </a:r>
-            <a:endParaRPr lang="en-US" sz="1200" dirty="0">
-              <a:solidFill>
-                <a:srgbClr val="FF0000"/>
-              </a:solidFill>
-            </a:endParaRPr>
-          </a:p>
-        </p:txBody>
-      </p:sp>
-    </p:spTree>
-    <p:extLst>
-      <p:ext uri="{BB962C8B-B14F-4D97-AF65-F5344CB8AC3E}">
-        <p14:creationId xmlns:p14="http://schemas.microsoft.com/office/powerpoint/2010/main" val="2785576870"/>
       </p:ext>
     </p:extLst>
   </p:cSld>
@@ -26289,7 +26245,296 @@
           </p:txBody>
         </p:sp>
       </p:grpSp>
+      <p:sp>
+        <p:nvSpPr>
+          <p:cNvPr id="2" name="Rectangle: Rounded Corners 1">
+            <a:extLst>
+              <a:ext uri="{FF2B5EF4-FFF2-40B4-BE49-F238E27FC236}">
+                <a16:creationId xmlns:a16="http://schemas.microsoft.com/office/drawing/2014/main" id="{5511D558-8330-7F3A-9945-7AACB5EE8301}"/>
+              </a:ext>
+            </a:extLst>
+          </p:cNvPr>
+          <p:cNvSpPr/>
+          <p:nvPr/>
+        </p:nvSpPr>
+        <p:spPr>
+          <a:xfrm>
+            <a:off x="183566" y="1156639"/>
+            <a:ext cx="2972019" cy="3315429"/>
+          </a:xfrm>
+          <a:prstGeom prst="roundRect">
+            <a:avLst>
+              <a:gd name="adj" fmla="val 9649"/>
+            </a:avLst>
+          </a:prstGeom>
+          <a:solidFill>
+            <a:srgbClr val="7030A0">
+              <a:alpha val="27000"/>
+            </a:srgbClr>
+          </a:solidFill>
+        </p:spPr>
+        <p:style>
+          <a:lnRef idx="2">
+            <a:schemeClr val="accent1">
+              <a:shade val="50000"/>
+            </a:schemeClr>
+          </a:lnRef>
+          <a:fillRef idx="1">
+            <a:schemeClr val="accent1"/>
+          </a:fillRef>
+          <a:effectRef idx="0">
+            <a:schemeClr val="accent1"/>
+          </a:effectRef>
+          <a:fontRef idx="minor">
+            <a:schemeClr val="lt1"/>
+          </a:fontRef>
+        </p:style>
+        <p:txBody>
+          <a:bodyPr rtlCol="0" anchor="ctr"/>
+          <a:lstStyle/>
+          <a:p>
+            <a:pPr algn="ctr"/>
+            <a:endParaRPr lang="en-US" dirty="0"/>
+          </a:p>
+        </p:txBody>
+      </p:sp>
     </p:spTree>
+  </p:cSld>
+  <p:clrMapOvr>
+    <a:masterClrMapping/>
+  </p:clrMapOvr>
+  <p:transition spd="slow">
+    <p:cut/>
+  </p:transition>
+  <p:timing>
+    <p:tnLst>
+      <p:par>
+        <p:cTn id="1" dur="indefinite" restart="never" nodeType="tmRoot">
+          <p:childTnLst>
+            <p:seq concurrent="1" nextAc="seek">
+              <p:cTn id="2" dur="indefinite" nodeType="mainSeq">
+                <p:childTnLst>
+                  <p:par>
+                    <p:cTn id="3" fill="hold">
+                      <p:stCondLst>
+                        <p:cond delay="indefinite"/>
+                      </p:stCondLst>
+                      <p:childTnLst>
+                        <p:par>
+                          <p:cTn id="4" fill="hold">
+                            <p:stCondLst>
+                              <p:cond delay="0"/>
+                            </p:stCondLst>
+                            <p:childTnLst>
+                              <p:par>
+                                <p:cTn id="5" presetID="1" presetClass="entr" presetSubtype="0" fill="hold" grpId="0" nodeType="clickEffect">
+                                  <p:stCondLst>
+                                    <p:cond delay="0"/>
+                                  </p:stCondLst>
+                                  <p:childTnLst>
+                                    <p:set>
+                                      <p:cBhvr>
+                                        <p:cTn id="6" dur="1" fill="hold">
+                                          <p:stCondLst>
+                                            <p:cond delay="0"/>
+                                          </p:stCondLst>
+                                        </p:cTn>
+                                        <p:tgtEl>
+                                          <p:spTgt spid="2"/>
+                                        </p:tgtEl>
+                                        <p:attrNameLst>
+                                          <p:attrName>style.visibility</p:attrName>
+                                        </p:attrNameLst>
+                                      </p:cBhvr>
+                                      <p:to>
+                                        <p:strVal val="visible"/>
+                                      </p:to>
+                                    </p:set>
+                                  </p:childTnLst>
+                                </p:cTn>
+                              </p:par>
+                            </p:childTnLst>
+                          </p:cTn>
+                        </p:par>
+                      </p:childTnLst>
+                    </p:cTn>
+                  </p:par>
+                </p:childTnLst>
+              </p:cTn>
+              <p:prevCondLst>
+                <p:cond evt="onPrev" delay="0">
+                  <p:tgtEl>
+                    <p:sldTgt/>
+                  </p:tgtEl>
+                </p:cond>
+              </p:prevCondLst>
+              <p:nextCondLst>
+                <p:cond evt="onNext" delay="0">
+                  <p:tgtEl>
+                    <p:sldTgt/>
+                  </p:tgtEl>
+                </p:cond>
+              </p:nextCondLst>
+            </p:seq>
+          </p:childTnLst>
+        </p:cTn>
+      </p:par>
+    </p:tnLst>
+    <p:bldLst>
+      <p:bldP spid="2" grpId="0" animBg="1"/>
+    </p:bldLst>
+  </p:timing>
+</p:sld>
+</file>
+
+<file path=ppt/slides/slide20.xml><?xml version="1.0" encoding="utf-8"?>
+<p:sld xmlns:a="http://schemas.openxmlformats.org/drawingml/2006/main" xmlns:r="http://schemas.openxmlformats.org/officeDocument/2006/relationships" xmlns:p="http://schemas.openxmlformats.org/presentationml/2006/main">
+  <p:cSld>
+    <p:spTree>
+      <p:nvGrpSpPr>
+        <p:cNvPr id="1" name=""/>
+        <p:cNvGrpSpPr/>
+        <p:nvPr/>
+      </p:nvGrpSpPr>
+      <p:grpSpPr>
+        <a:xfrm>
+          <a:off x="0" y="0"/>
+          <a:ext cx="0" cy="0"/>
+          <a:chOff x="0" y="0"/>
+          <a:chExt cx="0" cy="0"/>
+        </a:xfrm>
+      </p:grpSpPr>
+      <p:graphicFrame>
+        <p:nvGraphicFramePr>
+          <p:cNvPr id="8" name="Chart 7">
+            <a:extLst>
+              <a:ext uri="{FF2B5EF4-FFF2-40B4-BE49-F238E27FC236}">
+                <a16:creationId xmlns:a16="http://schemas.microsoft.com/office/drawing/2014/main" id="{13D21965-8F1F-6E35-CBD2-4FC485EC3158}"/>
+              </a:ext>
+            </a:extLst>
+          </p:cNvPr>
+          <p:cNvGraphicFramePr>
+            <a:graphicFrameLocks/>
+          </p:cNvGraphicFramePr>
+          <p:nvPr>
+            <p:extLst>
+              <p:ext uri="{D42A27DB-BD31-4B8C-83A1-F6EECF244321}">
+                <p14:modId xmlns:p14="http://schemas.microsoft.com/office/powerpoint/2010/main" val="2189009622"/>
+              </p:ext>
+            </p:extLst>
+          </p:nvPr>
+        </p:nvGraphicFramePr>
+        <p:xfrm>
+          <a:off x="1307575" y="229045"/>
+          <a:ext cx="6490445" cy="4147740"/>
+        </p:xfrm>
+        <a:graphic>
+          <a:graphicData uri="http://schemas.openxmlformats.org/drawingml/2006/chart">
+            <c:chart xmlns:c="http://schemas.openxmlformats.org/drawingml/2006/chart" xmlns:r="http://schemas.openxmlformats.org/officeDocument/2006/relationships" r:id="rId2"/>
+          </a:graphicData>
+        </a:graphic>
+      </p:graphicFrame>
+      <p:cxnSp>
+        <p:nvCxnSpPr>
+          <p:cNvPr id="6" name="Straight Connector 5">
+            <a:extLst>
+              <a:ext uri="{FF2B5EF4-FFF2-40B4-BE49-F238E27FC236}">
+                <a16:creationId xmlns:a16="http://schemas.microsoft.com/office/drawing/2014/main" id="{3CB3FE3B-5230-339F-CB51-60FFDE684492}"/>
+              </a:ext>
+            </a:extLst>
+          </p:cNvPr>
+          <p:cNvCxnSpPr>
+            <a:cxnSpLocks/>
+          </p:cNvCxnSpPr>
+          <p:nvPr/>
+        </p:nvCxnSpPr>
+        <p:spPr>
+          <a:xfrm>
+            <a:off x="1806840" y="2034080"/>
+            <a:ext cx="5568725" cy="0"/>
+          </a:xfrm>
+          <a:prstGeom prst="line">
+            <a:avLst/>
+          </a:prstGeom>
+          <a:ln>
+            <a:solidFill>
+              <a:srgbClr val="FF0000"/>
+            </a:solidFill>
+          </a:ln>
+        </p:spPr>
+        <p:style>
+          <a:lnRef idx="1">
+            <a:schemeClr val="accent1"/>
+          </a:lnRef>
+          <a:fillRef idx="0">
+            <a:schemeClr val="accent1"/>
+          </a:fillRef>
+          <a:effectRef idx="0">
+            <a:schemeClr val="accent1"/>
+          </a:effectRef>
+          <a:fontRef idx="minor">
+            <a:schemeClr val="tx1"/>
+          </a:fontRef>
+        </p:style>
+      </p:cxnSp>
+      <p:sp>
+        <p:nvSpPr>
+          <p:cNvPr id="4" name="TextBox 3">
+            <a:extLst>
+              <a:ext uri="{FF2B5EF4-FFF2-40B4-BE49-F238E27FC236}">
+                <a16:creationId xmlns:a16="http://schemas.microsoft.com/office/drawing/2014/main" id="{5821245F-3FC0-28E5-D7AE-A4A73553BBE1}"/>
+              </a:ext>
+            </a:extLst>
+          </p:cNvPr>
+          <p:cNvSpPr txBox="1"/>
+          <p:nvPr/>
+        </p:nvSpPr>
+        <p:spPr>
+          <a:xfrm>
+            <a:off x="1922055" y="1765245"/>
+            <a:ext cx="2598788" cy="276999"/>
+          </a:xfrm>
+          <a:prstGeom prst="rect">
+            <a:avLst/>
+          </a:prstGeom>
+          <a:noFill/>
+        </p:spPr>
+        <p:txBody>
+          <a:bodyPr wrap="none" rtlCol="0">
+            <a:spAutoFit/>
+          </a:bodyPr>
+          <a:lstStyle/>
+          <a:p>
+            <a:r>
+              <a:rPr lang="en-US" sz="1200" dirty="0">
+                <a:solidFill>
+                  <a:srgbClr val="FF0000"/>
+                </a:solidFill>
+              </a:rPr>
+              <a:t>Observed max discharge 4200 </a:t>
+            </a:r>
+            <a:r>
+              <a:rPr lang="en-US" sz="1200" dirty="0" err="1">
+                <a:solidFill>
+                  <a:srgbClr val="FF0000"/>
+                </a:solidFill>
+              </a:rPr>
+              <a:t>cms</a:t>
+            </a:r>
+            <a:endParaRPr lang="en-US" sz="1200" dirty="0">
+              <a:solidFill>
+                <a:srgbClr val="FF0000"/>
+              </a:solidFill>
+            </a:endParaRPr>
+          </a:p>
+        </p:txBody>
+      </p:sp>
+    </p:spTree>
+    <p:extLst>
+      <p:ext uri="{BB962C8B-B14F-4D97-AF65-F5344CB8AC3E}">
+        <p14:creationId xmlns:p14="http://schemas.microsoft.com/office/powerpoint/2010/main" val="2785576870"/>
+      </p:ext>
+    </p:extLst>
   </p:cSld>
   <p:clrMapOvr>
     <a:masterClrMapping/>
@@ -26300,7 +26545,7 @@
 </p:sld>
 </file>
 
-<file path=ppt/slides/slide20.xml><?xml version="1.0" encoding="utf-8"?>
+<file path=ppt/slides/slide21.xml><?xml version="1.0" encoding="utf-8"?>
 <p:sld xmlns:a="http://schemas.openxmlformats.org/drawingml/2006/main" xmlns:r="http://schemas.openxmlformats.org/officeDocument/2006/relationships" xmlns:p="http://schemas.openxmlformats.org/presentationml/2006/main">
   <p:cSld>
     <p:spTree>
@@ -26406,7 +26651,7 @@
 </p:sld>
 </file>
 
-<file path=ppt/slides/slide21.xml><?xml version="1.0" encoding="utf-8"?>
+<file path=ppt/slides/slide22.xml><?xml version="1.0" encoding="utf-8"?>
 <p:sld xmlns:a="http://schemas.openxmlformats.org/drawingml/2006/main" xmlns:r="http://schemas.openxmlformats.org/officeDocument/2006/relationships" xmlns:p="http://schemas.openxmlformats.org/presentationml/2006/main">
   <p:cSld>
     <p:spTree>
@@ -26831,7 +27076,7 @@
 </p:sld>
 </file>
 
-<file path=ppt/slides/slide22.xml><?xml version="1.0" encoding="utf-8"?>
+<file path=ppt/slides/slide23.xml><?xml version="1.0" encoding="utf-8"?>
 <p:sld xmlns:a="http://schemas.openxmlformats.org/drawingml/2006/main" xmlns:r="http://schemas.openxmlformats.org/officeDocument/2006/relationships" xmlns:p="http://schemas.openxmlformats.org/presentationml/2006/main">
   <p:cSld>
     <p:spTree>
@@ -27341,7 +27586,7 @@
 </p:sld>
 </file>
 
-<file path=ppt/slides/slide23.xml><?xml version="1.0" encoding="utf-8"?>
+<file path=ppt/slides/slide24.xml><?xml version="1.0" encoding="utf-8"?>
 <p:sld xmlns:a="http://schemas.openxmlformats.org/drawingml/2006/main" xmlns:r="http://schemas.openxmlformats.org/officeDocument/2006/relationships" xmlns:p="http://schemas.openxmlformats.org/presentationml/2006/main">
   <p:cSld>
     <p:spTree>
@@ -27654,7 +27899,7 @@
 </p:sld>
 </file>
 
-<file path=ppt/slides/slide24.xml><?xml version="1.0" encoding="utf-8"?>
+<file path=ppt/slides/slide25.xml><?xml version="1.0" encoding="utf-8"?>
 <p:sld xmlns:a="http://schemas.openxmlformats.org/drawingml/2006/main" xmlns:r="http://schemas.openxmlformats.org/officeDocument/2006/relationships" xmlns:p="http://schemas.openxmlformats.org/presentationml/2006/main">
   <p:cSld>
     <p:spTree>
@@ -28131,7 +28376,7 @@
 </p:sld>
 </file>
 
-<file path=ppt/slides/slide25.xml><?xml version="1.0" encoding="utf-8"?>
+<file path=ppt/slides/slide26.xml><?xml version="1.0" encoding="utf-8"?>
 <p:sld xmlns:a="http://schemas.openxmlformats.org/drawingml/2006/main" xmlns:r="http://schemas.openxmlformats.org/officeDocument/2006/relationships" xmlns:p="http://schemas.openxmlformats.org/presentationml/2006/main">
   <p:cSld>
     <p:spTree>
@@ -28713,7 +28958,7 @@
 </p:sld>
 </file>
 
-<file path=ppt/slides/slide26.xml><?xml version="1.0" encoding="utf-8"?>
+<file path=ppt/slides/slide27.xml><?xml version="1.0" encoding="utf-8"?>
 <p:sld xmlns:a="http://schemas.openxmlformats.org/drawingml/2006/main" xmlns:r="http://schemas.openxmlformats.org/officeDocument/2006/relationships" xmlns:p="http://schemas.openxmlformats.org/presentationml/2006/main">
   <p:cSld>
     <p:spTree>
@@ -29429,7 +29674,7 @@
 </p:sld>
 </file>
 
-<file path=ppt/slides/slide27.xml><?xml version="1.0" encoding="utf-8"?>
+<file path=ppt/slides/slide28.xml><?xml version="1.0" encoding="utf-8"?>
 <p:sld xmlns:a="http://schemas.openxmlformats.org/drawingml/2006/main" xmlns:r="http://schemas.openxmlformats.org/officeDocument/2006/relationships" xmlns:p="http://schemas.openxmlformats.org/presentationml/2006/main">
   <p:cSld>
     <p:spTree>
@@ -29906,7 +30151,7 @@
 </p:sld>
 </file>
 
-<file path=ppt/slides/slide28.xml><?xml version="1.0" encoding="utf-8"?>
+<file path=ppt/slides/slide29.xml><?xml version="1.0" encoding="utf-8"?>
 <p:sld xmlns:a="http://schemas.openxmlformats.org/drawingml/2006/main" xmlns:r="http://schemas.openxmlformats.org/officeDocument/2006/relationships" xmlns:p="http://schemas.openxmlformats.org/presentationml/2006/main">
   <p:cSld>
     <p:spTree>
@@ -30392,483 +30637,6 @@
 </p:sld>
 </file>
 
-<file path=ppt/slides/slide29.xml><?xml version="1.0" encoding="utf-8"?>
-<p:sld xmlns:a="http://schemas.openxmlformats.org/drawingml/2006/main" xmlns:r="http://schemas.openxmlformats.org/officeDocument/2006/relationships" xmlns:p="http://schemas.openxmlformats.org/presentationml/2006/main">
-  <p:cSld>
-    <p:spTree>
-      <p:nvGrpSpPr>
-        <p:cNvPr id="1" name=""/>
-        <p:cNvGrpSpPr/>
-        <p:nvPr/>
-      </p:nvGrpSpPr>
-      <p:grpSpPr>
-        <a:xfrm>
-          <a:off x="0" y="0"/>
-          <a:ext cx="0" cy="0"/>
-          <a:chOff x="0" y="0"/>
-          <a:chExt cx="0" cy="0"/>
-        </a:xfrm>
-      </p:grpSpPr>
-      <p:sp>
-        <p:nvSpPr>
-          <p:cNvPr id="2" name="Title 1"/>
-          <p:cNvSpPr>
-            <a:spLocks noGrp="1"/>
-          </p:cNvSpPr>
-          <p:nvPr>
-            <p:ph type="title"/>
-          </p:nvPr>
-        </p:nvSpPr>
-        <p:spPr>
-          <a:xfrm>
-            <a:off x="394145" y="123431"/>
-            <a:ext cx="8229600" cy="566474"/>
-          </a:xfrm>
-        </p:spPr>
-        <p:txBody>
-          <a:bodyPr>
-            <a:normAutofit fontScale="90000"/>
-          </a:bodyPr>
-          <a:lstStyle/>
-          <a:p>
-            <a:pPr algn="ctr"/>
-            <a:r>
-              <a:rPr lang="en-US" sz="3600" cap="none" dirty="0" err="1"/>
-              <a:t>WinDAM</a:t>
-            </a:r>
-            <a:r>
-              <a:rPr lang="en-US" sz="3600" cap="none" dirty="0"/>
-              <a:t> C Analysis</a:t>
-            </a:r>
-          </a:p>
-        </p:txBody>
-      </p:sp>
-      <p:pic>
-        <p:nvPicPr>
-          <p:cNvPr id="18" name="Picture 3"/>
-          <p:cNvPicPr>
-            <a:picLocks noChangeAspect="1" noChangeArrowheads="1"/>
-          </p:cNvPicPr>
-          <p:nvPr/>
-        </p:nvPicPr>
-        <p:blipFill>
-          <a:blip r:embed="rId2" cstate="print">
-            <a:extLst>
-              <a:ext uri="{28A0092B-C50C-407E-A947-70E740481C1C}">
-                <a14:useLocalDpi xmlns:a14="http://schemas.microsoft.com/office/drawing/2010/main" val="0"/>
-              </a:ext>
-            </a:extLst>
-          </a:blip>
-          <a:srcRect/>
-          <a:stretch>
-            <a:fillRect/>
-          </a:stretch>
-        </p:blipFill>
-        <p:spPr bwMode="auto">
-          <a:xfrm>
-            <a:off x="3881243" y="2177022"/>
-            <a:ext cx="284435" cy="281457"/>
-          </a:xfrm>
-          <a:prstGeom prst="rect">
-            <a:avLst/>
-          </a:prstGeom>
-          <a:noFill/>
-          <a:ln>
-            <a:noFill/>
-          </a:ln>
-          <a:extLst>
-            <a:ext uri="{909E8E84-426E-40DD-AFC4-6F175D3DCCD1}">
-              <a14:hiddenFill xmlns:a14="http://schemas.microsoft.com/office/drawing/2010/main">
-                <a:solidFill>
-                  <a:schemeClr val="accent1"/>
-                </a:solidFill>
-              </a14:hiddenFill>
-            </a:ext>
-            <a:ext uri="{91240B29-F687-4F45-9708-019B960494DF}">
-              <a14:hiddenLine xmlns:a14="http://schemas.microsoft.com/office/drawing/2010/main" w="9525">
-                <a:solidFill>
-                  <a:schemeClr val="tx1"/>
-                </a:solidFill>
-                <a:miter lim="800000"/>
-                <a:headEnd/>
-                <a:tailEnd/>
-              </a14:hiddenLine>
-            </a:ext>
-          </a:extLst>
-        </p:spPr>
-      </p:pic>
-      <p:sp>
-        <p:nvSpPr>
-          <p:cNvPr id="4" name="Rectangle 3">
-            <a:extLst>
-              <a:ext uri="{FF2B5EF4-FFF2-40B4-BE49-F238E27FC236}">
-                <a16:creationId xmlns:a16="http://schemas.microsoft.com/office/drawing/2014/main" id="{15FD4738-B2E7-5D13-FE19-8345E8AF4207}"/>
-              </a:ext>
-            </a:extLst>
-          </p:cNvPr>
-          <p:cNvSpPr/>
-          <p:nvPr/>
-        </p:nvSpPr>
-        <p:spPr>
-          <a:xfrm>
-            <a:off x="4572000" y="4223165"/>
-            <a:ext cx="45719" cy="45719"/>
-          </a:xfrm>
-          <a:prstGeom prst="rect">
-            <a:avLst/>
-          </a:prstGeom>
-        </p:spPr>
-        <p:style>
-          <a:lnRef idx="2">
-            <a:schemeClr val="accent1">
-              <a:shade val="50000"/>
-            </a:schemeClr>
-          </a:lnRef>
-          <a:fillRef idx="1">
-            <a:schemeClr val="accent1"/>
-          </a:fillRef>
-          <a:effectRef idx="0">
-            <a:schemeClr val="accent1"/>
-          </a:effectRef>
-          <a:fontRef idx="minor">
-            <a:schemeClr val="lt1"/>
-          </a:fontRef>
-        </p:style>
-        <p:txBody>
-          <a:bodyPr rtlCol="0" anchor="ctr"/>
-          <a:lstStyle/>
-          <a:p>
-            <a:pPr algn="ctr"/>
-            <a:endParaRPr lang="en-US"/>
-          </a:p>
-        </p:txBody>
-      </p:sp>
-      <p:grpSp>
-        <p:nvGrpSpPr>
-          <p:cNvPr id="7" name="Group 6">
-            <a:extLst>
-              <a:ext uri="{FF2B5EF4-FFF2-40B4-BE49-F238E27FC236}">
-                <a16:creationId xmlns:a16="http://schemas.microsoft.com/office/drawing/2014/main" id="{3488EA7A-FC41-CE4F-BE04-32402BD0409B}"/>
-              </a:ext>
-            </a:extLst>
-          </p:cNvPr>
-          <p:cNvGrpSpPr/>
-          <p:nvPr/>
-        </p:nvGrpSpPr>
-        <p:grpSpPr>
-          <a:xfrm>
-            <a:off x="1743785" y="689905"/>
-            <a:ext cx="5530320" cy="4262056"/>
-            <a:chOff x="1768435" y="711767"/>
-            <a:chExt cx="5530320" cy="4262056"/>
-          </a:xfrm>
-        </p:grpSpPr>
-        <p:pic>
-          <p:nvPicPr>
-            <p:cNvPr id="2050" name="Picture 2"/>
-            <p:cNvPicPr>
-              <a:picLocks noChangeAspect="1" noChangeArrowheads="1"/>
-            </p:cNvPicPr>
-            <p:nvPr/>
-          </p:nvPicPr>
-          <p:blipFill>
-            <a:blip r:embed="rId3">
-              <a:extLst>
-                <a:ext uri="{28A0092B-C50C-407E-A947-70E740481C1C}">
-                  <a14:useLocalDpi xmlns:a14="http://schemas.microsoft.com/office/drawing/2010/main" val="0"/>
-                </a:ext>
-              </a:extLst>
-            </a:blip>
-            <a:srcRect/>
-            <a:stretch>
-              <a:fillRect/>
-            </a:stretch>
-          </p:blipFill>
-          <p:spPr bwMode="auto">
-            <a:xfrm>
-              <a:off x="1768435" y="711767"/>
-              <a:ext cx="5530320" cy="4262056"/>
-            </a:xfrm>
-            <a:prstGeom prst="rect">
-              <a:avLst/>
-            </a:prstGeom>
-            <a:noFill/>
-            <a:ln>
-              <a:noFill/>
-            </a:ln>
-            <a:extLst>
-              <a:ext uri="{909E8E84-426E-40DD-AFC4-6F175D3DCCD1}">
-                <a14:hiddenFill xmlns:a14="http://schemas.microsoft.com/office/drawing/2010/main">
-                  <a:solidFill>
-                    <a:schemeClr val="accent1"/>
-                  </a:solidFill>
-                </a14:hiddenFill>
-              </a:ext>
-              <a:ext uri="{91240B29-F687-4F45-9708-019B960494DF}">
-                <a14:hiddenLine xmlns:a14="http://schemas.microsoft.com/office/drawing/2010/main" w="9525">
-                  <a:solidFill>
-                    <a:schemeClr val="tx1"/>
-                  </a:solidFill>
-                  <a:miter lim="800000"/>
-                  <a:headEnd/>
-                  <a:tailEnd/>
-                </a14:hiddenLine>
-              </a:ext>
-            </a:extLst>
-          </p:spPr>
-        </p:pic>
-        <p:sp>
-          <p:nvSpPr>
-            <p:cNvPr id="3" name="Rectangle 2">
-              <a:extLst>
-                <a:ext uri="{FF2B5EF4-FFF2-40B4-BE49-F238E27FC236}">
-                  <a16:creationId xmlns:a16="http://schemas.microsoft.com/office/drawing/2014/main" id="{AA6EADC0-01AA-4F9E-43AD-9B759B673E3B}"/>
-                </a:ext>
-              </a:extLst>
-            </p:cNvPr>
-            <p:cNvSpPr/>
-            <p:nvPr/>
-          </p:nvSpPr>
-          <p:spPr>
-            <a:xfrm>
-              <a:off x="3112610" y="805120"/>
-              <a:ext cx="2726755" cy="482722"/>
-            </a:xfrm>
-            <a:prstGeom prst="rect">
-              <a:avLst/>
-            </a:prstGeom>
-            <a:solidFill>
-              <a:srgbClr val="A7D971"/>
-            </a:solidFill>
-            <a:ln>
-              <a:solidFill>
-                <a:srgbClr val="A7D971"/>
-              </a:solidFill>
-            </a:ln>
-          </p:spPr>
-          <p:style>
-            <a:lnRef idx="2">
-              <a:schemeClr val="accent1">
-                <a:shade val="50000"/>
-              </a:schemeClr>
-            </a:lnRef>
-            <a:fillRef idx="1">
-              <a:schemeClr val="accent1"/>
-            </a:fillRef>
-            <a:effectRef idx="0">
-              <a:schemeClr val="accent1"/>
-            </a:effectRef>
-            <a:fontRef idx="minor">
-              <a:schemeClr val="lt1"/>
-            </a:fontRef>
-          </p:style>
-          <p:txBody>
-            <a:bodyPr rtlCol="0" anchor="ctr"/>
-            <a:lstStyle/>
-            <a:p>
-              <a:pPr algn="ctr"/>
-              <a:r>
-                <a:rPr lang="en-US" b="1" dirty="0">
-                  <a:solidFill>
-                    <a:schemeClr val="bg1">
-                      <a:lumMod val="95000"/>
-                      <a:lumOff val="5000"/>
-                    </a:schemeClr>
-                  </a:solidFill>
-                </a:rPr>
-                <a:t>Dakota User Interface</a:t>
-              </a:r>
-            </a:p>
-          </p:txBody>
-        </p:sp>
-        <p:sp>
-          <p:nvSpPr>
-            <p:cNvPr id="6" name="Rectangle 5">
-              <a:extLst>
-                <a:ext uri="{FF2B5EF4-FFF2-40B4-BE49-F238E27FC236}">
-                  <a16:creationId xmlns:a16="http://schemas.microsoft.com/office/drawing/2014/main" id="{BB229EFA-4C9C-1178-F7CB-688630BCDA7E}"/>
-                </a:ext>
-              </a:extLst>
-            </p:cNvPr>
-            <p:cNvSpPr/>
-            <p:nvPr/>
-          </p:nvSpPr>
-          <p:spPr>
-            <a:xfrm>
-              <a:off x="3496660" y="4031140"/>
-              <a:ext cx="1920250" cy="691290"/>
-            </a:xfrm>
-            <a:prstGeom prst="rect">
-              <a:avLst/>
-            </a:prstGeom>
-            <a:solidFill>
-              <a:srgbClr val="EEECE1"/>
-            </a:solidFill>
-            <a:ln>
-              <a:solidFill>
-                <a:srgbClr val="EEECE1"/>
-              </a:solidFill>
-            </a:ln>
-          </p:spPr>
-          <p:style>
-            <a:lnRef idx="2">
-              <a:schemeClr val="accent1">
-                <a:shade val="50000"/>
-              </a:schemeClr>
-            </a:lnRef>
-            <a:fillRef idx="1">
-              <a:schemeClr val="accent1"/>
-            </a:fillRef>
-            <a:effectRef idx="0">
-              <a:schemeClr val="accent1"/>
-            </a:effectRef>
-            <a:fontRef idx="minor">
-              <a:schemeClr val="lt1"/>
-            </a:fontRef>
-          </p:style>
-          <p:txBody>
-            <a:bodyPr rtlCol="0" anchor="ctr"/>
-            <a:lstStyle/>
-            <a:p>
-              <a:pPr algn="ctr"/>
-              <a:r>
-                <a:rPr lang="en-US" sz="1400" b="1" dirty="0">
-                  <a:solidFill>
-                    <a:schemeClr val="bg1">
-                      <a:lumMod val="95000"/>
-                      <a:lumOff val="5000"/>
-                    </a:schemeClr>
-                  </a:solidFill>
-                </a:rPr>
-                <a:t>Computational Model </a:t>
-              </a:r>
-              <a:r>
-                <a:rPr lang="en-US" sz="1300" b="1" dirty="0">
-                  <a:solidFill>
-                    <a:schemeClr val="bg1">
-                      <a:lumMod val="95000"/>
-                      <a:lumOff val="5000"/>
-                    </a:schemeClr>
-                  </a:solidFill>
-                </a:rPr>
-                <a:t>(</a:t>
-              </a:r>
-              <a:r>
-                <a:rPr lang="en-US" sz="1300" b="1" dirty="0" err="1">
-                  <a:solidFill>
-                    <a:schemeClr val="bg1">
-                      <a:lumMod val="95000"/>
-                      <a:lumOff val="5000"/>
-                    </a:schemeClr>
-                  </a:solidFill>
-                </a:rPr>
-                <a:t>WinDAM</a:t>
-              </a:r>
-              <a:r>
-                <a:rPr lang="en-US" sz="1300" b="1" dirty="0">
-                  <a:solidFill>
-                    <a:schemeClr val="bg1">
-                      <a:lumMod val="95000"/>
-                      <a:lumOff val="5000"/>
-                    </a:schemeClr>
-                  </a:solidFill>
-                </a:rPr>
-                <a:t> C or </a:t>
-              </a:r>
-              <a:r>
-                <a:rPr lang="en-US" sz="1300" b="1" dirty="0" err="1">
-                  <a:solidFill>
-                    <a:schemeClr val="bg1">
-                      <a:lumMod val="95000"/>
-                      <a:lumOff val="5000"/>
-                    </a:schemeClr>
-                  </a:solidFill>
-                </a:rPr>
-                <a:t>DLBreach</a:t>
-              </a:r>
-              <a:r>
-                <a:rPr lang="en-US" sz="1300" b="1" dirty="0">
-                  <a:solidFill>
-                    <a:schemeClr val="bg1">
-                      <a:lumMod val="95000"/>
-                      <a:lumOff val="5000"/>
-                    </a:schemeClr>
-                  </a:solidFill>
-                </a:rPr>
-                <a:t>)</a:t>
-              </a:r>
-            </a:p>
-          </p:txBody>
-        </p:sp>
-      </p:grpSp>
-      <p:sp>
-        <p:nvSpPr>
-          <p:cNvPr id="5" name="Rectangle: Rounded Corners 4">
-            <a:extLst>
-              <a:ext uri="{FF2B5EF4-FFF2-40B4-BE49-F238E27FC236}">
-                <a16:creationId xmlns:a16="http://schemas.microsoft.com/office/drawing/2014/main" id="{4378B2E2-1DE4-7683-4982-2DC72FD3CCCA}"/>
-              </a:ext>
-            </a:extLst>
-          </p:cNvPr>
-          <p:cNvSpPr/>
-          <p:nvPr/>
-        </p:nvSpPr>
-        <p:spPr>
-          <a:xfrm>
-            <a:off x="2031823" y="2878991"/>
-            <a:ext cx="1920250" cy="691290"/>
-          </a:xfrm>
-          <a:prstGeom prst="roundRect">
-            <a:avLst/>
-          </a:prstGeom>
-          <a:noFill/>
-          <a:ln w="38100">
-            <a:solidFill>
-              <a:srgbClr val="FF0000"/>
-            </a:solidFill>
-          </a:ln>
-        </p:spPr>
-        <p:style>
-          <a:lnRef idx="2">
-            <a:schemeClr val="accent1">
-              <a:shade val="50000"/>
-            </a:schemeClr>
-          </a:lnRef>
-          <a:fillRef idx="1">
-            <a:schemeClr val="accent1"/>
-          </a:fillRef>
-          <a:effectRef idx="0">
-            <a:schemeClr val="accent1"/>
-          </a:effectRef>
-          <a:fontRef idx="minor">
-            <a:schemeClr val="lt1"/>
-          </a:fontRef>
-        </p:style>
-        <p:txBody>
-          <a:bodyPr rtlCol="0" anchor="ctr"/>
-          <a:lstStyle/>
-          <a:p>
-            <a:pPr algn="ctr"/>
-            <a:endParaRPr lang="en-US"/>
-          </a:p>
-        </p:txBody>
-      </p:sp>
-    </p:spTree>
-    <p:extLst>
-      <p:ext uri="{BB962C8B-B14F-4D97-AF65-F5344CB8AC3E}">
-        <p14:creationId xmlns:p14="http://schemas.microsoft.com/office/powerpoint/2010/main" val="463911751"/>
-      </p:ext>
-    </p:extLst>
-  </p:cSld>
-  <p:clrMapOvr>
-    <a:masterClrMapping/>
-  </p:clrMapOvr>
-  <p:transition spd="slow">
-    <p:cut/>
-  </p:transition>
-</p:sld>
-</file>
-
 <file path=ppt/slides/slide3.xml><?xml version="1.0" encoding="utf-8"?>
 <p:sld xmlns:a="http://schemas.openxmlformats.org/drawingml/2006/main" xmlns:r="http://schemas.openxmlformats.org/officeDocument/2006/relationships" xmlns:p="http://schemas.openxmlformats.org/presentationml/2006/main">
   <p:cSld>
@@ -31214,7 +30982,7 @@
                   <a:latin typeface="Arial" pitchFamily="34" charset="0"/>
                   <a:cs typeface="Arial" pitchFamily="34" charset="0"/>
                 </a:rPr>
-                <a:t> material properties</a:t>
+                <a:t> material properties of auxiliary spillways</a:t>
               </a:r>
               <a:endParaRPr kumimoji="0" lang="en-US" altLang="en-US" sz="1200" b="0" i="0" u="none" strike="noStrike" cap="none" normalizeH="0" baseline="0" dirty="0">
                 <a:ln>
@@ -31345,7 +31113,7 @@
                   <a:latin typeface="Arial" pitchFamily="34" charset="0"/>
                   <a:cs typeface="Arial" pitchFamily="34" charset="0"/>
                 </a:rPr>
-                <a:t>for material properties</a:t>
+                <a:t>for material properties in auxiliary spillways</a:t>
               </a:r>
               <a:endParaRPr kumimoji="0" lang="en-US" altLang="en-US" sz="1200" b="0" i="0" u="none" strike="noStrike" cap="none" normalizeH="0" baseline="0" dirty="0">
                 <a:ln>
@@ -32313,6 +32081,483 @@
           <a:chExt cx="0" cy="0"/>
         </a:xfrm>
       </p:grpSpPr>
+      <p:sp>
+        <p:nvSpPr>
+          <p:cNvPr id="2" name="Title 1"/>
+          <p:cNvSpPr>
+            <a:spLocks noGrp="1"/>
+          </p:cNvSpPr>
+          <p:nvPr>
+            <p:ph type="title"/>
+          </p:nvPr>
+        </p:nvSpPr>
+        <p:spPr>
+          <a:xfrm>
+            <a:off x="394145" y="123431"/>
+            <a:ext cx="8229600" cy="566474"/>
+          </a:xfrm>
+        </p:spPr>
+        <p:txBody>
+          <a:bodyPr>
+            <a:normAutofit fontScale="90000"/>
+          </a:bodyPr>
+          <a:lstStyle/>
+          <a:p>
+            <a:pPr algn="ctr"/>
+            <a:r>
+              <a:rPr lang="en-US" sz="3600" cap="none" dirty="0" err="1"/>
+              <a:t>WinDAM</a:t>
+            </a:r>
+            <a:r>
+              <a:rPr lang="en-US" sz="3600" cap="none" dirty="0"/>
+              <a:t> C Analysis</a:t>
+            </a:r>
+          </a:p>
+        </p:txBody>
+      </p:sp>
+      <p:pic>
+        <p:nvPicPr>
+          <p:cNvPr id="18" name="Picture 3"/>
+          <p:cNvPicPr>
+            <a:picLocks noChangeAspect="1" noChangeArrowheads="1"/>
+          </p:cNvPicPr>
+          <p:nvPr/>
+        </p:nvPicPr>
+        <p:blipFill>
+          <a:blip r:embed="rId2" cstate="print">
+            <a:extLst>
+              <a:ext uri="{28A0092B-C50C-407E-A947-70E740481C1C}">
+                <a14:useLocalDpi xmlns:a14="http://schemas.microsoft.com/office/drawing/2010/main" val="0"/>
+              </a:ext>
+            </a:extLst>
+          </a:blip>
+          <a:srcRect/>
+          <a:stretch>
+            <a:fillRect/>
+          </a:stretch>
+        </p:blipFill>
+        <p:spPr bwMode="auto">
+          <a:xfrm>
+            <a:off x="3881243" y="2177022"/>
+            <a:ext cx="284435" cy="281457"/>
+          </a:xfrm>
+          <a:prstGeom prst="rect">
+            <a:avLst/>
+          </a:prstGeom>
+          <a:noFill/>
+          <a:ln>
+            <a:noFill/>
+          </a:ln>
+          <a:extLst>
+            <a:ext uri="{909E8E84-426E-40DD-AFC4-6F175D3DCCD1}">
+              <a14:hiddenFill xmlns:a14="http://schemas.microsoft.com/office/drawing/2010/main">
+                <a:solidFill>
+                  <a:schemeClr val="accent1"/>
+                </a:solidFill>
+              </a14:hiddenFill>
+            </a:ext>
+            <a:ext uri="{91240B29-F687-4F45-9708-019B960494DF}">
+              <a14:hiddenLine xmlns:a14="http://schemas.microsoft.com/office/drawing/2010/main" w="9525">
+                <a:solidFill>
+                  <a:schemeClr val="tx1"/>
+                </a:solidFill>
+                <a:miter lim="800000"/>
+                <a:headEnd/>
+                <a:tailEnd/>
+              </a14:hiddenLine>
+            </a:ext>
+          </a:extLst>
+        </p:spPr>
+      </p:pic>
+      <p:sp>
+        <p:nvSpPr>
+          <p:cNvPr id="4" name="Rectangle 3">
+            <a:extLst>
+              <a:ext uri="{FF2B5EF4-FFF2-40B4-BE49-F238E27FC236}">
+                <a16:creationId xmlns:a16="http://schemas.microsoft.com/office/drawing/2014/main" id="{15FD4738-B2E7-5D13-FE19-8345E8AF4207}"/>
+              </a:ext>
+            </a:extLst>
+          </p:cNvPr>
+          <p:cNvSpPr/>
+          <p:nvPr/>
+        </p:nvSpPr>
+        <p:spPr>
+          <a:xfrm>
+            <a:off x="4572000" y="4223165"/>
+            <a:ext cx="45719" cy="45719"/>
+          </a:xfrm>
+          <a:prstGeom prst="rect">
+            <a:avLst/>
+          </a:prstGeom>
+        </p:spPr>
+        <p:style>
+          <a:lnRef idx="2">
+            <a:schemeClr val="accent1">
+              <a:shade val="50000"/>
+            </a:schemeClr>
+          </a:lnRef>
+          <a:fillRef idx="1">
+            <a:schemeClr val="accent1"/>
+          </a:fillRef>
+          <a:effectRef idx="0">
+            <a:schemeClr val="accent1"/>
+          </a:effectRef>
+          <a:fontRef idx="minor">
+            <a:schemeClr val="lt1"/>
+          </a:fontRef>
+        </p:style>
+        <p:txBody>
+          <a:bodyPr rtlCol="0" anchor="ctr"/>
+          <a:lstStyle/>
+          <a:p>
+            <a:pPr algn="ctr"/>
+            <a:endParaRPr lang="en-US"/>
+          </a:p>
+        </p:txBody>
+      </p:sp>
+      <p:grpSp>
+        <p:nvGrpSpPr>
+          <p:cNvPr id="7" name="Group 6">
+            <a:extLst>
+              <a:ext uri="{FF2B5EF4-FFF2-40B4-BE49-F238E27FC236}">
+                <a16:creationId xmlns:a16="http://schemas.microsoft.com/office/drawing/2014/main" id="{3488EA7A-FC41-CE4F-BE04-32402BD0409B}"/>
+              </a:ext>
+            </a:extLst>
+          </p:cNvPr>
+          <p:cNvGrpSpPr/>
+          <p:nvPr/>
+        </p:nvGrpSpPr>
+        <p:grpSpPr>
+          <a:xfrm>
+            <a:off x="1743785" y="689905"/>
+            <a:ext cx="5530320" cy="4262056"/>
+            <a:chOff x="1768435" y="711767"/>
+            <a:chExt cx="5530320" cy="4262056"/>
+          </a:xfrm>
+        </p:grpSpPr>
+        <p:pic>
+          <p:nvPicPr>
+            <p:cNvPr id="2050" name="Picture 2"/>
+            <p:cNvPicPr>
+              <a:picLocks noChangeAspect="1" noChangeArrowheads="1"/>
+            </p:cNvPicPr>
+            <p:nvPr/>
+          </p:nvPicPr>
+          <p:blipFill>
+            <a:blip r:embed="rId3">
+              <a:extLst>
+                <a:ext uri="{28A0092B-C50C-407E-A947-70E740481C1C}">
+                  <a14:useLocalDpi xmlns:a14="http://schemas.microsoft.com/office/drawing/2010/main" val="0"/>
+                </a:ext>
+              </a:extLst>
+            </a:blip>
+            <a:srcRect/>
+            <a:stretch>
+              <a:fillRect/>
+            </a:stretch>
+          </p:blipFill>
+          <p:spPr bwMode="auto">
+            <a:xfrm>
+              <a:off x="1768435" y="711767"/>
+              <a:ext cx="5530320" cy="4262056"/>
+            </a:xfrm>
+            <a:prstGeom prst="rect">
+              <a:avLst/>
+            </a:prstGeom>
+            <a:noFill/>
+            <a:ln>
+              <a:noFill/>
+            </a:ln>
+            <a:extLst>
+              <a:ext uri="{909E8E84-426E-40DD-AFC4-6F175D3DCCD1}">
+                <a14:hiddenFill xmlns:a14="http://schemas.microsoft.com/office/drawing/2010/main">
+                  <a:solidFill>
+                    <a:schemeClr val="accent1"/>
+                  </a:solidFill>
+                </a14:hiddenFill>
+              </a:ext>
+              <a:ext uri="{91240B29-F687-4F45-9708-019B960494DF}">
+                <a14:hiddenLine xmlns:a14="http://schemas.microsoft.com/office/drawing/2010/main" w="9525">
+                  <a:solidFill>
+                    <a:schemeClr val="tx1"/>
+                  </a:solidFill>
+                  <a:miter lim="800000"/>
+                  <a:headEnd/>
+                  <a:tailEnd/>
+                </a14:hiddenLine>
+              </a:ext>
+            </a:extLst>
+          </p:spPr>
+        </p:pic>
+        <p:sp>
+          <p:nvSpPr>
+            <p:cNvPr id="3" name="Rectangle 2">
+              <a:extLst>
+                <a:ext uri="{FF2B5EF4-FFF2-40B4-BE49-F238E27FC236}">
+                  <a16:creationId xmlns:a16="http://schemas.microsoft.com/office/drawing/2014/main" id="{AA6EADC0-01AA-4F9E-43AD-9B759B673E3B}"/>
+                </a:ext>
+              </a:extLst>
+            </p:cNvPr>
+            <p:cNvSpPr/>
+            <p:nvPr/>
+          </p:nvSpPr>
+          <p:spPr>
+            <a:xfrm>
+              <a:off x="3112610" y="805120"/>
+              <a:ext cx="2726755" cy="482722"/>
+            </a:xfrm>
+            <a:prstGeom prst="rect">
+              <a:avLst/>
+            </a:prstGeom>
+            <a:solidFill>
+              <a:srgbClr val="A7D971"/>
+            </a:solidFill>
+            <a:ln>
+              <a:solidFill>
+                <a:srgbClr val="A7D971"/>
+              </a:solidFill>
+            </a:ln>
+          </p:spPr>
+          <p:style>
+            <a:lnRef idx="2">
+              <a:schemeClr val="accent1">
+                <a:shade val="50000"/>
+              </a:schemeClr>
+            </a:lnRef>
+            <a:fillRef idx="1">
+              <a:schemeClr val="accent1"/>
+            </a:fillRef>
+            <a:effectRef idx="0">
+              <a:schemeClr val="accent1"/>
+            </a:effectRef>
+            <a:fontRef idx="minor">
+              <a:schemeClr val="lt1"/>
+            </a:fontRef>
+          </p:style>
+          <p:txBody>
+            <a:bodyPr rtlCol="0" anchor="ctr"/>
+            <a:lstStyle/>
+            <a:p>
+              <a:pPr algn="ctr"/>
+              <a:r>
+                <a:rPr lang="en-US" b="1" dirty="0">
+                  <a:solidFill>
+                    <a:schemeClr val="bg1">
+                      <a:lumMod val="95000"/>
+                      <a:lumOff val="5000"/>
+                    </a:schemeClr>
+                  </a:solidFill>
+                </a:rPr>
+                <a:t>Dakota User Interface</a:t>
+              </a:r>
+            </a:p>
+          </p:txBody>
+        </p:sp>
+        <p:sp>
+          <p:nvSpPr>
+            <p:cNvPr id="6" name="Rectangle 5">
+              <a:extLst>
+                <a:ext uri="{FF2B5EF4-FFF2-40B4-BE49-F238E27FC236}">
+                  <a16:creationId xmlns:a16="http://schemas.microsoft.com/office/drawing/2014/main" id="{BB229EFA-4C9C-1178-F7CB-688630BCDA7E}"/>
+                </a:ext>
+              </a:extLst>
+            </p:cNvPr>
+            <p:cNvSpPr/>
+            <p:nvPr/>
+          </p:nvSpPr>
+          <p:spPr>
+            <a:xfrm>
+              <a:off x="3496660" y="4031140"/>
+              <a:ext cx="1920250" cy="691290"/>
+            </a:xfrm>
+            <a:prstGeom prst="rect">
+              <a:avLst/>
+            </a:prstGeom>
+            <a:solidFill>
+              <a:srgbClr val="EEECE1"/>
+            </a:solidFill>
+            <a:ln>
+              <a:solidFill>
+                <a:srgbClr val="EEECE1"/>
+              </a:solidFill>
+            </a:ln>
+          </p:spPr>
+          <p:style>
+            <a:lnRef idx="2">
+              <a:schemeClr val="accent1">
+                <a:shade val="50000"/>
+              </a:schemeClr>
+            </a:lnRef>
+            <a:fillRef idx="1">
+              <a:schemeClr val="accent1"/>
+            </a:fillRef>
+            <a:effectRef idx="0">
+              <a:schemeClr val="accent1"/>
+            </a:effectRef>
+            <a:fontRef idx="minor">
+              <a:schemeClr val="lt1"/>
+            </a:fontRef>
+          </p:style>
+          <p:txBody>
+            <a:bodyPr rtlCol="0" anchor="ctr"/>
+            <a:lstStyle/>
+            <a:p>
+              <a:pPr algn="ctr"/>
+              <a:r>
+                <a:rPr lang="en-US" sz="1400" b="1" dirty="0">
+                  <a:solidFill>
+                    <a:schemeClr val="bg1">
+                      <a:lumMod val="95000"/>
+                      <a:lumOff val="5000"/>
+                    </a:schemeClr>
+                  </a:solidFill>
+                </a:rPr>
+                <a:t>Computational Model </a:t>
+              </a:r>
+              <a:r>
+                <a:rPr lang="en-US" sz="1300" b="1" dirty="0">
+                  <a:solidFill>
+                    <a:schemeClr val="bg1">
+                      <a:lumMod val="95000"/>
+                      <a:lumOff val="5000"/>
+                    </a:schemeClr>
+                  </a:solidFill>
+                </a:rPr>
+                <a:t>(</a:t>
+              </a:r>
+              <a:r>
+                <a:rPr lang="en-US" sz="1300" b="1" dirty="0" err="1">
+                  <a:solidFill>
+                    <a:schemeClr val="bg1">
+                      <a:lumMod val="95000"/>
+                      <a:lumOff val="5000"/>
+                    </a:schemeClr>
+                  </a:solidFill>
+                </a:rPr>
+                <a:t>WinDAM</a:t>
+              </a:r>
+              <a:r>
+                <a:rPr lang="en-US" sz="1300" b="1" dirty="0">
+                  <a:solidFill>
+                    <a:schemeClr val="bg1">
+                      <a:lumMod val="95000"/>
+                      <a:lumOff val="5000"/>
+                    </a:schemeClr>
+                  </a:solidFill>
+                </a:rPr>
+                <a:t> C or </a:t>
+              </a:r>
+              <a:r>
+                <a:rPr lang="en-US" sz="1300" b="1" dirty="0" err="1">
+                  <a:solidFill>
+                    <a:schemeClr val="bg1">
+                      <a:lumMod val="95000"/>
+                      <a:lumOff val="5000"/>
+                    </a:schemeClr>
+                  </a:solidFill>
+                </a:rPr>
+                <a:t>DLBreach</a:t>
+              </a:r>
+              <a:r>
+                <a:rPr lang="en-US" sz="1300" b="1" dirty="0">
+                  <a:solidFill>
+                    <a:schemeClr val="bg1">
+                      <a:lumMod val="95000"/>
+                      <a:lumOff val="5000"/>
+                    </a:schemeClr>
+                  </a:solidFill>
+                </a:rPr>
+                <a:t>)</a:t>
+              </a:r>
+            </a:p>
+          </p:txBody>
+        </p:sp>
+      </p:grpSp>
+      <p:sp>
+        <p:nvSpPr>
+          <p:cNvPr id="5" name="Rectangle: Rounded Corners 4">
+            <a:extLst>
+              <a:ext uri="{FF2B5EF4-FFF2-40B4-BE49-F238E27FC236}">
+                <a16:creationId xmlns:a16="http://schemas.microsoft.com/office/drawing/2014/main" id="{4378B2E2-1DE4-7683-4982-2DC72FD3CCCA}"/>
+              </a:ext>
+            </a:extLst>
+          </p:cNvPr>
+          <p:cNvSpPr/>
+          <p:nvPr/>
+        </p:nvSpPr>
+        <p:spPr>
+          <a:xfrm>
+            <a:off x="2031823" y="2878991"/>
+            <a:ext cx="1920250" cy="691290"/>
+          </a:xfrm>
+          <a:prstGeom prst="roundRect">
+            <a:avLst/>
+          </a:prstGeom>
+          <a:noFill/>
+          <a:ln w="38100">
+            <a:solidFill>
+              <a:srgbClr val="FF0000"/>
+            </a:solidFill>
+          </a:ln>
+        </p:spPr>
+        <p:style>
+          <a:lnRef idx="2">
+            <a:schemeClr val="accent1">
+              <a:shade val="50000"/>
+            </a:schemeClr>
+          </a:lnRef>
+          <a:fillRef idx="1">
+            <a:schemeClr val="accent1"/>
+          </a:fillRef>
+          <a:effectRef idx="0">
+            <a:schemeClr val="accent1"/>
+          </a:effectRef>
+          <a:fontRef idx="minor">
+            <a:schemeClr val="lt1"/>
+          </a:fontRef>
+        </p:style>
+        <p:txBody>
+          <a:bodyPr rtlCol="0" anchor="ctr"/>
+          <a:lstStyle/>
+          <a:p>
+            <a:pPr algn="ctr"/>
+            <a:endParaRPr lang="en-US"/>
+          </a:p>
+        </p:txBody>
+      </p:sp>
+    </p:spTree>
+    <p:extLst>
+      <p:ext uri="{BB962C8B-B14F-4D97-AF65-F5344CB8AC3E}">
+        <p14:creationId xmlns:p14="http://schemas.microsoft.com/office/powerpoint/2010/main" val="463911751"/>
+      </p:ext>
+    </p:extLst>
+  </p:cSld>
+  <p:clrMapOvr>
+    <a:masterClrMapping/>
+  </p:clrMapOvr>
+  <p:transition spd="slow">
+    <p:cut/>
+  </p:transition>
+</p:sld>
+</file>
+
+<file path=ppt/slides/slide31.xml><?xml version="1.0" encoding="utf-8"?>
+<p:sld xmlns:a="http://schemas.openxmlformats.org/drawingml/2006/main" xmlns:r="http://schemas.openxmlformats.org/officeDocument/2006/relationships" xmlns:p="http://schemas.openxmlformats.org/presentationml/2006/main">
+  <p:cSld>
+    <p:spTree>
+      <p:nvGrpSpPr>
+        <p:cNvPr id="1" name=""/>
+        <p:cNvGrpSpPr/>
+        <p:nvPr/>
+      </p:nvGrpSpPr>
+      <p:grpSpPr>
+        <a:xfrm>
+          <a:off x="0" y="0"/>
+          <a:ext cx="0" cy="0"/>
+          <a:chOff x="0" y="0"/>
+          <a:chExt cx="0" cy="0"/>
+        </a:xfrm>
+      </p:grpSpPr>
       <p:pic>
         <p:nvPicPr>
           <p:cNvPr id="2" name="Picture 1">
@@ -32597,7 +32842,7 @@
 </p:sld>
 </file>
 
-<file path=ppt/slides/slide31.xml><?xml version="1.0" encoding="utf-8"?>
+<file path=ppt/slides/slide32.xml><?xml version="1.0" encoding="utf-8"?>
 <p:sld xmlns:a="http://schemas.openxmlformats.org/drawingml/2006/main" xmlns:r="http://schemas.openxmlformats.org/officeDocument/2006/relationships" xmlns:p="http://schemas.openxmlformats.org/presentationml/2006/main">
   <p:cSld>
     <p:spTree>
@@ -33074,7 +33319,7 @@
 </p:sld>
 </file>
 
-<file path=ppt/slides/slide32.xml><?xml version="1.0" encoding="utf-8"?>
+<file path=ppt/slides/slide33.xml><?xml version="1.0" encoding="utf-8"?>
 <p:sld xmlns:a="http://schemas.openxmlformats.org/drawingml/2006/main" xmlns:r="http://schemas.openxmlformats.org/officeDocument/2006/relationships" xmlns:p="http://schemas.openxmlformats.org/presentationml/2006/main">
   <p:cSld>
     <p:spTree>
@@ -33137,7 +33382,7 @@
 </p:sld>
 </file>
 
-<file path=ppt/slides/slide33.xml><?xml version="1.0" encoding="utf-8"?>
+<file path=ppt/slides/slide34.xml><?xml version="1.0" encoding="utf-8"?>
 <p:sld xmlns:a="http://schemas.openxmlformats.org/drawingml/2006/main" xmlns:r="http://schemas.openxmlformats.org/officeDocument/2006/relationships" xmlns:p="http://schemas.openxmlformats.org/presentationml/2006/main">
   <p:cSld>
     <p:spTree>
@@ -33326,7 +33571,7 @@
 </p:sld>
 </file>
 
-<file path=ppt/slides/slide34.xml><?xml version="1.0" encoding="utf-8"?>
+<file path=ppt/slides/slide35.xml><?xml version="1.0" encoding="utf-8"?>
 <p:sld xmlns:a="http://schemas.openxmlformats.org/drawingml/2006/main" xmlns:r="http://schemas.openxmlformats.org/officeDocument/2006/relationships" xmlns:p="http://schemas.openxmlformats.org/presentationml/2006/main">
   <p:cSld>
     <p:spTree>
@@ -33515,7 +33760,7 @@
 </p:sld>
 </file>
 
-<file path=ppt/slides/slide35.xml><?xml version="1.0" encoding="utf-8"?>
+<file path=ppt/slides/slide36.xml><?xml version="1.0" encoding="utf-8"?>
 <p:sld xmlns:a="http://schemas.openxmlformats.org/drawingml/2006/main" xmlns:r="http://schemas.openxmlformats.org/officeDocument/2006/relationships" xmlns:p="http://schemas.openxmlformats.org/presentationml/2006/main">
   <p:cSld>
     <p:spTree>
@@ -33683,7 +33928,7 @@
 </p:sld>
 </file>
 
-<file path=ppt/slides/slide36.xml><?xml version="1.0" encoding="utf-8"?>
+<file path=ppt/slides/slide37.xml><?xml version="1.0" encoding="utf-8"?>
 <p:sld xmlns:a="http://schemas.openxmlformats.org/drawingml/2006/main" xmlns:r="http://schemas.openxmlformats.org/officeDocument/2006/relationships" xmlns:p="http://schemas.openxmlformats.org/presentationml/2006/main">
   <p:cSld>
     <p:spTree>
@@ -33867,7 +34112,7 @@
 </p:sld>
 </file>
 
-<file path=ppt/slides/slide37.xml><?xml version="1.0" encoding="utf-8"?>
+<file path=ppt/slides/slide38.xml><?xml version="1.0" encoding="utf-8"?>
 <p:sld xmlns:a="http://schemas.openxmlformats.org/drawingml/2006/main" xmlns:r="http://schemas.openxmlformats.org/officeDocument/2006/relationships" xmlns:p="http://schemas.openxmlformats.org/presentationml/2006/main">
   <p:cSld>
     <p:spTree>
@@ -33930,7 +34175,7 @@
 </p:sld>
 </file>
 
-<file path=ppt/slides/slide38.xml><?xml version="1.0" encoding="utf-8"?>
+<file path=ppt/slides/slide39.xml><?xml version="1.0" encoding="utf-8"?>
 <p:sld xmlns:a="http://schemas.openxmlformats.org/drawingml/2006/main" xmlns:r="http://schemas.openxmlformats.org/officeDocument/2006/relationships" xmlns:p="http://schemas.openxmlformats.org/presentationml/2006/main">
   <p:cSld>
     <p:spTree>
@@ -34119,295 +34364,6 @@
 </p:sld>
 </file>
 
-<file path=ppt/slides/slide39.xml><?xml version="1.0" encoding="utf-8"?>
-<p:sld xmlns:a="http://schemas.openxmlformats.org/drawingml/2006/main" xmlns:r="http://schemas.openxmlformats.org/officeDocument/2006/relationships" xmlns:p="http://schemas.openxmlformats.org/presentationml/2006/main">
-  <p:cSld>
-    <p:spTree>
-      <p:nvGrpSpPr>
-        <p:cNvPr id="1" name=""/>
-        <p:cNvGrpSpPr/>
-        <p:nvPr/>
-      </p:nvGrpSpPr>
-      <p:grpSpPr>
-        <a:xfrm>
-          <a:off x="0" y="0"/>
-          <a:ext cx="0" cy="0"/>
-          <a:chOff x="0" y="0"/>
-          <a:chExt cx="0" cy="0"/>
-        </a:xfrm>
-      </p:grpSpPr>
-      <p:graphicFrame>
-        <p:nvGraphicFramePr>
-          <p:cNvPr id="4" name="Chart 3">
-            <a:extLst>
-              <a:ext uri="{FF2B5EF4-FFF2-40B4-BE49-F238E27FC236}">
-                <a16:creationId xmlns:a16="http://schemas.microsoft.com/office/drawing/2014/main" id="{DA4D3F85-B028-1DA3-F590-03130923F522}"/>
-              </a:ext>
-            </a:extLst>
-          </p:cNvPr>
-          <p:cNvGraphicFramePr>
-            <a:graphicFrameLocks/>
-          </p:cNvGraphicFramePr>
-          <p:nvPr>
-            <p:extLst>
-              <p:ext uri="{D42A27DB-BD31-4B8C-83A1-F6EECF244321}">
-                <p14:modId xmlns:p14="http://schemas.microsoft.com/office/powerpoint/2010/main" val="1490008823"/>
-              </p:ext>
-            </p:extLst>
-          </p:nvPr>
-        </p:nvGraphicFramePr>
-        <p:xfrm>
-          <a:off x="1115549" y="152235"/>
-          <a:ext cx="6644065" cy="4186145"/>
-        </p:xfrm>
-        <a:graphic>
-          <a:graphicData uri="http://schemas.openxmlformats.org/drawingml/2006/chart">
-            <c:chart xmlns:c="http://schemas.openxmlformats.org/drawingml/2006/chart" xmlns:r="http://schemas.openxmlformats.org/officeDocument/2006/relationships" r:id="rId2"/>
-          </a:graphicData>
-        </a:graphic>
-      </p:graphicFrame>
-      <p:cxnSp>
-        <p:nvCxnSpPr>
-          <p:cNvPr id="5" name="Straight Connector 4">
-            <a:extLst>
-              <a:ext uri="{FF2B5EF4-FFF2-40B4-BE49-F238E27FC236}">
-                <a16:creationId xmlns:a16="http://schemas.microsoft.com/office/drawing/2014/main" id="{2785E794-6DCC-81B3-C634-EBFE9A0CC442}"/>
-              </a:ext>
-            </a:extLst>
-          </p:cNvPr>
-          <p:cNvCxnSpPr>
-            <a:cxnSpLocks/>
-          </p:cNvCxnSpPr>
-          <p:nvPr/>
-        </p:nvCxnSpPr>
-        <p:spPr>
-          <a:xfrm flipV="1">
-            <a:off x="5724150" y="613095"/>
-            <a:ext cx="0" cy="3418045"/>
-          </a:xfrm>
-          <a:prstGeom prst="line">
-            <a:avLst/>
-          </a:prstGeom>
-          <a:ln>
-            <a:solidFill>
-              <a:srgbClr val="FF0000"/>
-            </a:solidFill>
-          </a:ln>
-        </p:spPr>
-        <p:style>
-          <a:lnRef idx="1">
-            <a:schemeClr val="accent1"/>
-          </a:lnRef>
-          <a:fillRef idx="0">
-            <a:schemeClr val="accent1"/>
-          </a:fillRef>
-          <a:effectRef idx="0">
-            <a:schemeClr val="accent1"/>
-          </a:effectRef>
-          <a:fontRef idx="minor">
-            <a:schemeClr val="tx1"/>
-          </a:fontRef>
-        </p:style>
-      </p:cxnSp>
-      <p:sp>
-        <p:nvSpPr>
-          <p:cNvPr id="6" name="TextBox 5">
-            <a:extLst>
-              <a:ext uri="{FF2B5EF4-FFF2-40B4-BE49-F238E27FC236}">
-                <a16:creationId xmlns:a16="http://schemas.microsoft.com/office/drawing/2014/main" id="{B9AD8847-652A-2EC0-C3B6-1AD3C0E34E7A}"/>
-              </a:ext>
-            </a:extLst>
-          </p:cNvPr>
-          <p:cNvSpPr txBox="1"/>
-          <p:nvPr/>
-        </p:nvSpPr>
-        <p:spPr>
-          <a:xfrm>
-            <a:off x="5718049" y="1726840"/>
-            <a:ext cx="1542302" cy="461665"/>
-          </a:xfrm>
-          <a:prstGeom prst="rect">
-            <a:avLst/>
-          </a:prstGeom>
-          <a:noFill/>
-        </p:spPr>
-        <p:txBody>
-          <a:bodyPr wrap="square" rtlCol="0">
-            <a:spAutoFit/>
-          </a:bodyPr>
-          <a:lstStyle/>
-          <a:p>
-            <a:r>
-              <a:rPr lang="en-US" sz="1200" dirty="0">
-                <a:solidFill>
-                  <a:srgbClr val="FF0000"/>
-                </a:solidFill>
-              </a:rPr>
-              <a:t>Observed max Q</a:t>
-            </a:r>
-          </a:p>
-          <a:p>
-            <a:r>
-              <a:rPr lang="en-US" sz="1200" dirty="0">
-                <a:solidFill>
-                  <a:srgbClr val="FF0000"/>
-                </a:solidFill>
-              </a:rPr>
-              <a:t>4200 </a:t>
-            </a:r>
-            <a:r>
-              <a:rPr lang="en-US" sz="1200" dirty="0" err="1">
-                <a:solidFill>
-                  <a:srgbClr val="FF0000"/>
-                </a:solidFill>
-              </a:rPr>
-              <a:t>cms</a:t>
-            </a:r>
-            <a:endParaRPr lang="en-US" sz="1200" dirty="0">
-              <a:solidFill>
-                <a:srgbClr val="FF0000"/>
-              </a:solidFill>
-            </a:endParaRPr>
-          </a:p>
-        </p:txBody>
-      </p:sp>
-      <p:grpSp>
-        <p:nvGrpSpPr>
-          <p:cNvPr id="11" name="Group 10">
-            <a:extLst>
-              <a:ext uri="{FF2B5EF4-FFF2-40B4-BE49-F238E27FC236}">
-                <a16:creationId xmlns:a16="http://schemas.microsoft.com/office/drawing/2014/main" id="{20285CE8-89C3-79C6-CD39-7C3D54503E18}"/>
-              </a:ext>
-            </a:extLst>
-          </p:cNvPr>
-          <p:cNvGrpSpPr/>
-          <p:nvPr/>
-        </p:nvGrpSpPr>
-        <p:grpSpPr>
-          <a:xfrm>
-            <a:off x="1406850" y="2954996"/>
-            <a:ext cx="7534998" cy="368167"/>
-            <a:chOff x="1730030" y="2434013"/>
-            <a:chExt cx="6995451" cy="368167"/>
-          </a:xfrm>
-        </p:grpSpPr>
-        <p:cxnSp>
-          <p:nvCxnSpPr>
-            <p:cNvPr id="12" name="Straight Connector 11">
-              <a:extLst>
-                <a:ext uri="{FF2B5EF4-FFF2-40B4-BE49-F238E27FC236}">
-                  <a16:creationId xmlns:a16="http://schemas.microsoft.com/office/drawing/2014/main" id="{B03A15EA-754C-1B08-CA6A-9DB8D42DCF3A}"/>
-                </a:ext>
-              </a:extLst>
-            </p:cNvPr>
-            <p:cNvCxnSpPr>
-              <a:cxnSpLocks/>
-            </p:cNvCxnSpPr>
-            <p:nvPr/>
-          </p:nvCxnSpPr>
-          <p:spPr>
-            <a:xfrm>
-              <a:off x="1730030" y="2802180"/>
-              <a:ext cx="5683940" cy="0"/>
-            </a:xfrm>
-            <a:prstGeom prst="line">
-              <a:avLst/>
-            </a:prstGeom>
-            <a:ln>
-              <a:solidFill>
-                <a:srgbClr val="FF0000"/>
-              </a:solidFill>
-            </a:ln>
-          </p:spPr>
-          <p:style>
-            <a:lnRef idx="1">
-              <a:schemeClr val="accent1"/>
-            </a:lnRef>
-            <a:fillRef idx="0">
-              <a:schemeClr val="accent1"/>
-            </a:fillRef>
-            <a:effectRef idx="0">
-              <a:schemeClr val="accent1"/>
-            </a:effectRef>
-            <a:fontRef idx="minor">
-              <a:schemeClr val="tx1"/>
-            </a:fontRef>
-          </p:style>
-        </p:cxnSp>
-        <p:sp>
-          <p:nvSpPr>
-            <p:cNvPr id="13" name="TextBox 12">
-              <a:extLst>
-                <a:ext uri="{FF2B5EF4-FFF2-40B4-BE49-F238E27FC236}">
-                  <a16:creationId xmlns:a16="http://schemas.microsoft.com/office/drawing/2014/main" id="{7F74A5D7-D5C0-B124-8D6A-225D1436C878}"/>
-                </a:ext>
-              </a:extLst>
-            </p:cNvPr>
-            <p:cNvSpPr txBox="1"/>
-            <p:nvPr/>
-          </p:nvSpPr>
-          <p:spPr>
-            <a:xfrm>
-              <a:off x="5916463" y="2434013"/>
-              <a:ext cx="2809018" cy="276999"/>
-            </a:xfrm>
-            <a:prstGeom prst="rect">
-              <a:avLst/>
-            </a:prstGeom>
-            <a:solidFill>
-              <a:schemeClr val="bg1">
-                <a:lumMod val="95000"/>
-                <a:lumOff val="5000"/>
-              </a:schemeClr>
-            </a:solidFill>
-          </p:spPr>
-          <p:txBody>
-            <a:bodyPr wrap="square" rtlCol="0">
-              <a:spAutoFit/>
-            </a:bodyPr>
-            <a:lstStyle/>
-            <a:p>
-              <a:r>
-                <a:rPr lang="en-US" sz="1200" dirty="0">
-                  <a:solidFill>
-                    <a:srgbClr val="FF0000"/>
-                  </a:solidFill>
-                </a:rPr>
-                <a:t>Obs. max discharge time 0.9167 </a:t>
-              </a:r>
-              <a:r>
-                <a:rPr lang="en-US" sz="1200" dirty="0" err="1">
-                  <a:solidFill>
-                    <a:srgbClr val="FF0000"/>
-                  </a:solidFill>
-                </a:rPr>
-                <a:t>hr</a:t>
-              </a:r>
-              <a:endParaRPr lang="en-US" sz="1200" dirty="0">
-                <a:solidFill>
-                  <a:srgbClr val="FF0000"/>
-                </a:solidFill>
-              </a:endParaRPr>
-            </a:p>
-          </p:txBody>
-        </p:sp>
-      </p:grpSp>
-    </p:spTree>
-    <p:extLst>
-      <p:ext uri="{BB962C8B-B14F-4D97-AF65-F5344CB8AC3E}">
-        <p14:creationId xmlns:p14="http://schemas.microsoft.com/office/powerpoint/2010/main" val="2919595011"/>
-      </p:ext>
-    </p:extLst>
-  </p:cSld>
-  <p:clrMapOvr>
-    <a:masterClrMapping/>
-  </p:clrMapOvr>
-  <p:transition spd="slow">
-    <p:cut/>
-  </p:transition>
-</p:sld>
-</file>
-
 <file path=ppt/slides/slide4.xml><?xml version="1.0" encoding="utf-8"?>
 <p:sld xmlns:a="http://schemas.openxmlformats.org/drawingml/2006/main" xmlns:r="http://schemas.openxmlformats.org/officeDocument/2006/relationships" xmlns:p="http://schemas.openxmlformats.org/presentationml/2006/main">
   <p:cSld>
@@ -34450,7 +34406,7 @@
             <a:pPr algn="ctr"/>
             <a:r>
               <a:rPr lang="en-US" sz="3600" cap="none" dirty="0"/>
-              <a:t>Flip the Paradigm: Use Dakota to Drive the Analysis</a:t>
+              <a:t>For Dam Analysis: Use Dakota to Drive the Analysis</a:t>
             </a:r>
           </a:p>
         </p:txBody>
@@ -34817,6 +34773,295 @@
     <p:extLst>
       <p:ext uri="{BB962C8B-B14F-4D97-AF65-F5344CB8AC3E}">
         <p14:creationId xmlns:p14="http://schemas.microsoft.com/office/powerpoint/2010/main" val="3072017824"/>
+      </p:ext>
+    </p:extLst>
+  </p:cSld>
+  <p:clrMapOvr>
+    <a:masterClrMapping/>
+  </p:clrMapOvr>
+  <p:transition spd="slow">
+    <p:cut/>
+  </p:transition>
+</p:sld>
+</file>
+
+<file path=ppt/slides/slide40.xml><?xml version="1.0" encoding="utf-8"?>
+<p:sld xmlns:a="http://schemas.openxmlformats.org/drawingml/2006/main" xmlns:r="http://schemas.openxmlformats.org/officeDocument/2006/relationships" xmlns:p="http://schemas.openxmlformats.org/presentationml/2006/main">
+  <p:cSld>
+    <p:spTree>
+      <p:nvGrpSpPr>
+        <p:cNvPr id="1" name=""/>
+        <p:cNvGrpSpPr/>
+        <p:nvPr/>
+      </p:nvGrpSpPr>
+      <p:grpSpPr>
+        <a:xfrm>
+          <a:off x="0" y="0"/>
+          <a:ext cx="0" cy="0"/>
+          <a:chOff x="0" y="0"/>
+          <a:chExt cx="0" cy="0"/>
+        </a:xfrm>
+      </p:grpSpPr>
+      <p:graphicFrame>
+        <p:nvGraphicFramePr>
+          <p:cNvPr id="4" name="Chart 3">
+            <a:extLst>
+              <a:ext uri="{FF2B5EF4-FFF2-40B4-BE49-F238E27FC236}">
+                <a16:creationId xmlns:a16="http://schemas.microsoft.com/office/drawing/2014/main" id="{DA4D3F85-B028-1DA3-F590-03130923F522}"/>
+              </a:ext>
+            </a:extLst>
+          </p:cNvPr>
+          <p:cNvGraphicFramePr>
+            <a:graphicFrameLocks/>
+          </p:cNvGraphicFramePr>
+          <p:nvPr>
+            <p:extLst>
+              <p:ext uri="{D42A27DB-BD31-4B8C-83A1-F6EECF244321}">
+                <p14:modId xmlns:p14="http://schemas.microsoft.com/office/powerpoint/2010/main" val="1490008823"/>
+              </p:ext>
+            </p:extLst>
+          </p:nvPr>
+        </p:nvGraphicFramePr>
+        <p:xfrm>
+          <a:off x="1115549" y="152235"/>
+          <a:ext cx="6644065" cy="4186145"/>
+        </p:xfrm>
+        <a:graphic>
+          <a:graphicData uri="http://schemas.openxmlformats.org/drawingml/2006/chart">
+            <c:chart xmlns:c="http://schemas.openxmlformats.org/drawingml/2006/chart" xmlns:r="http://schemas.openxmlformats.org/officeDocument/2006/relationships" r:id="rId2"/>
+          </a:graphicData>
+        </a:graphic>
+      </p:graphicFrame>
+      <p:cxnSp>
+        <p:nvCxnSpPr>
+          <p:cNvPr id="5" name="Straight Connector 4">
+            <a:extLst>
+              <a:ext uri="{FF2B5EF4-FFF2-40B4-BE49-F238E27FC236}">
+                <a16:creationId xmlns:a16="http://schemas.microsoft.com/office/drawing/2014/main" id="{2785E794-6DCC-81B3-C634-EBFE9A0CC442}"/>
+              </a:ext>
+            </a:extLst>
+          </p:cNvPr>
+          <p:cNvCxnSpPr>
+            <a:cxnSpLocks/>
+          </p:cNvCxnSpPr>
+          <p:nvPr/>
+        </p:nvCxnSpPr>
+        <p:spPr>
+          <a:xfrm flipV="1">
+            <a:off x="5724150" y="613095"/>
+            <a:ext cx="0" cy="3418045"/>
+          </a:xfrm>
+          <a:prstGeom prst="line">
+            <a:avLst/>
+          </a:prstGeom>
+          <a:ln>
+            <a:solidFill>
+              <a:srgbClr val="FF0000"/>
+            </a:solidFill>
+          </a:ln>
+        </p:spPr>
+        <p:style>
+          <a:lnRef idx="1">
+            <a:schemeClr val="accent1"/>
+          </a:lnRef>
+          <a:fillRef idx="0">
+            <a:schemeClr val="accent1"/>
+          </a:fillRef>
+          <a:effectRef idx="0">
+            <a:schemeClr val="accent1"/>
+          </a:effectRef>
+          <a:fontRef idx="minor">
+            <a:schemeClr val="tx1"/>
+          </a:fontRef>
+        </p:style>
+      </p:cxnSp>
+      <p:sp>
+        <p:nvSpPr>
+          <p:cNvPr id="6" name="TextBox 5">
+            <a:extLst>
+              <a:ext uri="{FF2B5EF4-FFF2-40B4-BE49-F238E27FC236}">
+                <a16:creationId xmlns:a16="http://schemas.microsoft.com/office/drawing/2014/main" id="{B9AD8847-652A-2EC0-C3B6-1AD3C0E34E7A}"/>
+              </a:ext>
+            </a:extLst>
+          </p:cNvPr>
+          <p:cNvSpPr txBox="1"/>
+          <p:nvPr/>
+        </p:nvSpPr>
+        <p:spPr>
+          <a:xfrm>
+            <a:off x="5718049" y="1726840"/>
+            <a:ext cx="1542302" cy="461665"/>
+          </a:xfrm>
+          <a:prstGeom prst="rect">
+            <a:avLst/>
+          </a:prstGeom>
+          <a:noFill/>
+        </p:spPr>
+        <p:txBody>
+          <a:bodyPr wrap="square" rtlCol="0">
+            <a:spAutoFit/>
+          </a:bodyPr>
+          <a:lstStyle/>
+          <a:p>
+            <a:r>
+              <a:rPr lang="en-US" sz="1200" dirty="0">
+                <a:solidFill>
+                  <a:srgbClr val="FF0000"/>
+                </a:solidFill>
+              </a:rPr>
+              <a:t>Observed max Q</a:t>
+            </a:r>
+          </a:p>
+          <a:p>
+            <a:r>
+              <a:rPr lang="en-US" sz="1200" dirty="0">
+                <a:solidFill>
+                  <a:srgbClr val="FF0000"/>
+                </a:solidFill>
+              </a:rPr>
+              <a:t>4200 </a:t>
+            </a:r>
+            <a:r>
+              <a:rPr lang="en-US" sz="1200" dirty="0" err="1">
+                <a:solidFill>
+                  <a:srgbClr val="FF0000"/>
+                </a:solidFill>
+              </a:rPr>
+              <a:t>cms</a:t>
+            </a:r>
+            <a:endParaRPr lang="en-US" sz="1200" dirty="0">
+              <a:solidFill>
+                <a:srgbClr val="FF0000"/>
+              </a:solidFill>
+            </a:endParaRPr>
+          </a:p>
+        </p:txBody>
+      </p:sp>
+      <p:grpSp>
+        <p:nvGrpSpPr>
+          <p:cNvPr id="11" name="Group 10">
+            <a:extLst>
+              <a:ext uri="{FF2B5EF4-FFF2-40B4-BE49-F238E27FC236}">
+                <a16:creationId xmlns:a16="http://schemas.microsoft.com/office/drawing/2014/main" id="{20285CE8-89C3-79C6-CD39-7C3D54503E18}"/>
+              </a:ext>
+            </a:extLst>
+          </p:cNvPr>
+          <p:cNvGrpSpPr/>
+          <p:nvPr/>
+        </p:nvGrpSpPr>
+        <p:grpSpPr>
+          <a:xfrm>
+            <a:off x="1406850" y="2954996"/>
+            <a:ext cx="7534998" cy="368167"/>
+            <a:chOff x="1730030" y="2434013"/>
+            <a:chExt cx="6995451" cy="368167"/>
+          </a:xfrm>
+        </p:grpSpPr>
+        <p:cxnSp>
+          <p:nvCxnSpPr>
+            <p:cNvPr id="12" name="Straight Connector 11">
+              <a:extLst>
+                <a:ext uri="{FF2B5EF4-FFF2-40B4-BE49-F238E27FC236}">
+                  <a16:creationId xmlns:a16="http://schemas.microsoft.com/office/drawing/2014/main" id="{B03A15EA-754C-1B08-CA6A-9DB8D42DCF3A}"/>
+                </a:ext>
+              </a:extLst>
+            </p:cNvPr>
+            <p:cNvCxnSpPr>
+              <a:cxnSpLocks/>
+            </p:cNvCxnSpPr>
+            <p:nvPr/>
+          </p:nvCxnSpPr>
+          <p:spPr>
+            <a:xfrm>
+              <a:off x="1730030" y="2802180"/>
+              <a:ext cx="5683940" cy="0"/>
+            </a:xfrm>
+            <a:prstGeom prst="line">
+              <a:avLst/>
+            </a:prstGeom>
+            <a:ln>
+              <a:solidFill>
+                <a:srgbClr val="FF0000"/>
+              </a:solidFill>
+            </a:ln>
+          </p:spPr>
+          <p:style>
+            <a:lnRef idx="1">
+              <a:schemeClr val="accent1"/>
+            </a:lnRef>
+            <a:fillRef idx="0">
+              <a:schemeClr val="accent1"/>
+            </a:fillRef>
+            <a:effectRef idx="0">
+              <a:schemeClr val="accent1"/>
+            </a:effectRef>
+            <a:fontRef idx="minor">
+              <a:schemeClr val="tx1"/>
+            </a:fontRef>
+          </p:style>
+        </p:cxnSp>
+        <p:sp>
+          <p:nvSpPr>
+            <p:cNvPr id="13" name="TextBox 12">
+              <a:extLst>
+                <a:ext uri="{FF2B5EF4-FFF2-40B4-BE49-F238E27FC236}">
+                  <a16:creationId xmlns:a16="http://schemas.microsoft.com/office/drawing/2014/main" id="{7F74A5D7-D5C0-B124-8D6A-225D1436C878}"/>
+                </a:ext>
+              </a:extLst>
+            </p:cNvPr>
+            <p:cNvSpPr txBox="1"/>
+            <p:nvPr/>
+          </p:nvSpPr>
+          <p:spPr>
+            <a:xfrm>
+              <a:off x="5916463" y="2434013"/>
+              <a:ext cx="2809018" cy="276999"/>
+            </a:xfrm>
+            <a:prstGeom prst="rect">
+              <a:avLst/>
+            </a:prstGeom>
+            <a:solidFill>
+              <a:schemeClr val="bg1">
+                <a:lumMod val="95000"/>
+                <a:lumOff val="5000"/>
+              </a:schemeClr>
+            </a:solidFill>
+          </p:spPr>
+          <p:txBody>
+            <a:bodyPr wrap="square" rtlCol="0">
+              <a:spAutoFit/>
+            </a:bodyPr>
+            <a:lstStyle/>
+            <a:p>
+              <a:r>
+                <a:rPr lang="en-US" sz="1200" dirty="0">
+                  <a:solidFill>
+                    <a:srgbClr val="FF0000"/>
+                  </a:solidFill>
+                </a:rPr>
+                <a:t>Obs. max discharge time 0.9167 </a:t>
+              </a:r>
+              <a:r>
+                <a:rPr lang="en-US" sz="1200" dirty="0" err="1">
+                  <a:solidFill>
+                    <a:srgbClr val="FF0000"/>
+                  </a:solidFill>
+                </a:rPr>
+                <a:t>hr</a:t>
+              </a:r>
+              <a:endParaRPr lang="en-US" sz="1200" dirty="0">
+                <a:solidFill>
+                  <a:srgbClr val="FF0000"/>
+                </a:solidFill>
+              </a:endParaRPr>
+            </a:p>
+          </p:txBody>
+        </p:sp>
+      </p:grpSp>
+    </p:spTree>
+    <p:extLst>
+      <p:ext uri="{BB962C8B-B14F-4D97-AF65-F5344CB8AC3E}">
+        <p14:creationId xmlns:p14="http://schemas.microsoft.com/office/powerpoint/2010/main" val="2919595011"/>
       </p:ext>
     </p:extLst>
   </p:cSld>
